--- a/NeedfindingPresentation.pptx
+++ b/NeedfindingPresentation.pptx
@@ -5,14 +5,19 @@
     <p:sldMasterId id="2147483648" r:id="rId1"/>
   </p:sldMasterIdLst>
   <p:notesMasterIdLst>
-    <p:notesMasterId r:id="rId7"/>
+    <p:notesMasterId r:id="rId12"/>
   </p:notesMasterIdLst>
   <p:sldIdLst>
     <p:sldId id="256" r:id="rId2"/>
     <p:sldId id="257" r:id="rId3"/>
     <p:sldId id="264" r:id="rId4"/>
-    <p:sldId id="259" r:id="rId5"/>
-    <p:sldId id="262" r:id="rId6"/>
+    <p:sldId id="267" r:id="rId5"/>
+    <p:sldId id="259" r:id="rId6"/>
+    <p:sldId id="262" r:id="rId7"/>
+    <p:sldId id="265" r:id="rId8"/>
+    <p:sldId id="268" r:id="rId9"/>
+    <p:sldId id="269" r:id="rId10"/>
+    <p:sldId id="266" r:id="rId11"/>
   </p:sldIdLst>
   <p:sldSz cx="12192000" cy="6858000"/>
   <p:notesSz cx="6858000" cy="9144000"/>
@@ -201,7 +206,7 @@
           <a:p>
             <a:fld id="{62307F40-CE41-488C-8634-68BA9AC3BEC3}" type="datetimeFigureOut">
               <a:rPr lang="en-US" smtClean="0"/>
-              <a:t>8/6/2019</a:t>
+              <a:t>9/20/2019</a:t>
             </a:fld>
             <a:endParaRPr lang="en-US"/>
           </a:p>
@@ -542,7 +547,7 @@
           <a:p>
             <a:fld id="{02E3D788-D435-42DD-8AE8-B78F121A669F}" type="slidenum">
               <a:rPr lang="en-US" smtClean="0"/>
-              <a:t>5</a:t>
+              <a:t>6</a:t>
             </a:fld>
             <a:endParaRPr lang="en-US"/>
           </a:p>
@@ -708,7 +713,7 @@
           <a:p>
             <a:fld id="{7313B231-23B1-4512-9F4B-1F8131D4FB79}" type="datetimeFigureOut">
               <a:rPr lang="en-US" smtClean="0"/>
-              <a:t>8/6/2019</a:t>
+              <a:t>9/20/2019</a:t>
             </a:fld>
             <a:endParaRPr lang="en-US"/>
           </a:p>
@@ -906,7 +911,7 @@
           <a:p>
             <a:fld id="{7313B231-23B1-4512-9F4B-1F8131D4FB79}" type="datetimeFigureOut">
               <a:rPr lang="en-US" smtClean="0"/>
-              <a:t>8/6/2019</a:t>
+              <a:t>9/20/2019</a:t>
             </a:fld>
             <a:endParaRPr lang="en-US"/>
           </a:p>
@@ -1114,7 +1119,7 @@
           <a:p>
             <a:fld id="{7313B231-23B1-4512-9F4B-1F8131D4FB79}" type="datetimeFigureOut">
               <a:rPr lang="en-US" smtClean="0"/>
-              <a:t>8/6/2019</a:t>
+              <a:t>9/20/2019</a:t>
             </a:fld>
             <a:endParaRPr lang="en-US"/>
           </a:p>
@@ -1312,7 +1317,7 @@
           <a:p>
             <a:fld id="{7313B231-23B1-4512-9F4B-1F8131D4FB79}" type="datetimeFigureOut">
               <a:rPr lang="en-US" smtClean="0"/>
-              <a:t>8/6/2019</a:t>
+              <a:t>9/20/2019</a:t>
             </a:fld>
             <a:endParaRPr lang="en-US"/>
           </a:p>
@@ -1587,7 +1592,7 @@
           <a:p>
             <a:fld id="{7313B231-23B1-4512-9F4B-1F8131D4FB79}" type="datetimeFigureOut">
               <a:rPr lang="en-US" smtClean="0"/>
-              <a:t>8/6/2019</a:t>
+              <a:t>9/20/2019</a:t>
             </a:fld>
             <a:endParaRPr lang="en-US"/>
           </a:p>
@@ -1852,7 +1857,7 @@
           <a:p>
             <a:fld id="{7313B231-23B1-4512-9F4B-1F8131D4FB79}" type="datetimeFigureOut">
               <a:rPr lang="en-US" smtClean="0"/>
-              <a:t>8/6/2019</a:t>
+              <a:t>9/20/2019</a:t>
             </a:fld>
             <a:endParaRPr lang="en-US"/>
           </a:p>
@@ -2264,7 +2269,7 @@
           <a:p>
             <a:fld id="{7313B231-23B1-4512-9F4B-1F8131D4FB79}" type="datetimeFigureOut">
               <a:rPr lang="en-US" smtClean="0"/>
-              <a:t>8/6/2019</a:t>
+              <a:t>9/20/2019</a:t>
             </a:fld>
             <a:endParaRPr lang="en-US"/>
           </a:p>
@@ -2405,7 +2410,7 @@
           <a:p>
             <a:fld id="{7313B231-23B1-4512-9F4B-1F8131D4FB79}" type="datetimeFigureOut">
               <a:rPr lang="en-US" smtClean="0"/>
-              <a:t>8/6/2019</a:t>
+              <a:t>9/20/2019</a:t>
             </a:fld>
             <a:endParaRPr lang="en-US"/>
           </a:p>
@@ -2518,7 +2523,7 @@
           <a:p>
             <a:fld id="{7313B231-23B1-4512-9F4B-1F8131D4FB79}" type="datetimeFigureOut">
               <a:rPr lang="en-US" smtClean="0"/>
-              <a:t>8/6/2019</a:t>
+              <a:t>9/20/2019</a:t>
             </a:fld>
             <a:endParaRPr lang="en-US"/>
           </a:p>
@@ -2829,7 +2834,7 @@
           <a:p>
             <a:fld id="{7313B231-23B1-4512-9F4B-1F8131D4FB79}" type="datetimeFigureOut">
               <a:rPr lang="en-US" smtClean="0"/>
-              <a:t>8/6/2019</a:t>
+              <a:t>9/20/2019</a:t>
             </a:fld>
             <a:endParaRPr lang="en-US"/>
           </a:p>
@@ -3117,7 +3122,7 @@
           <a:p>
             <a:fld id="{7313B231-23B1-4512-9F4B-1F8131D4FB79}" type="datetimeFigureOut">
               <a:rPr lang="en-US" smtClean="0"/>
-              <a:t>8/6/2019</a:t>
+              <a:t>9/20/2019</a:t>
             </a:fld>
             <a:endParaRPr lang="en-US"/>
           </a:p>
@@ -3358,7 +3363,7 @@
           <a:p>
             <a:fld id="{7313B231-23B1-4512-9F4B-1F8131D4FB79}" type="datetimeFigureOut">
               <a:rPr lang="en-US" smtClean="0"/>
-              <a:t>8/6/2019</a:t>
+              <a:t>9/20/2019</a:t>
             </a:fld>
             <a:endParaRPr lang="en-US"/>
           </a:p>
@@ -4388,7 +4393,7 @@
 </p:sld>
 </file>
 
-<file path=ppt/slides/slide2.xml><?xml version="1.0" encoding="utf-8"?>
+<file path=ppt/slides/slide10.xml><?xml version="1.0" encoding="utf-8"?>
 <p:sld xmlns:a="http://schemas.openxmlformats.org/drawingml/2006/main" xmlns:r="http://schemas.openxmlformats.org/officeDocument/2006/relationships" xmlns:p="http://schemas.openxmlformats.org/presentationml/2006/main">
   <p:cSld>
     <p:bg>
@@ -4548,6 +4553,1077 @@
                 <a:latin typeface="Segoe UI Light" panose="020B0502040204020203" pitchFamily="34" charset="0"/>
                 <a:cs typeface="Segoe UI Light" panose="020B0502040204020203" pitchFamily="34" charset="0"/>
               </a:rPr>
+              <a:t>Point of View</a:t>
+            </a:r>
+          </a:p>
+        </p:txBody>
+      </p:sp>
+      <p:sp>
+        <p:nvSpPr>
+          <p:cNvPr id="3" name="Content Placeholder 2">
+            <a:extLst>
+              <a:ext uri="{FF2B5EF4-FFF2-40B4-BE49-F238E27FC236}">
+                <a16:creationId xmlns:a16="http://schemas.microsoft.com/office/drawing/2014/main" id="{5740C6C8-54CC-4C70-86C7-F8D87A6678B1}"/>
+              </a:ext>
+            </a:extLst>
+          </p:cNvPr>
+          <p:cNvSpPr>
+            <a:spLocks noGrp="1"/>
+          </p:cNvSpPr>
+          <p:nvPr>
+            <p:ph idx="1"/>
+          </p:nvPr>
+        </p:nvSpPr>
+        <p:spPr>
+          <a:xfrm>
+            <a:off x="838200" y="1825625"/>
+            <a:ext cx="10515600" cy="4351338"/>
+          </a:xfrm>
+        </p:spPr>
+        <p:txBody>
+          <a:bodyPr>
+            <a:normAutofit fontScale="92500" lnSpcReduction="10000"/>
+          </a:bodyPr>
+          <a:lstStyle/>
+          <a:p>
+            <a:pPr lvl="0"/>
+            <a:r>
+              <a:rPr lang="en-US" dirty="0">
+                <a:solidFill>
+                  <a:srgbClr val="92D050"/>
+                </a:solidFill>
+              </a:rPr>
+              <a:t>Students need endorsement from their adviser when reserving a room, but they don’t have to find their adviser just for an approval</a:t>
+            </a:r>
+            <a:endParaRPr lang="en-PH" dirty="0">
+              <a:solidFill>
+                <a:srgbClr val="92D050"/>
+              </a:solidFill>
+            </a:endParaRPr>
+          </a:p>
+          <a:p>
+            <a:pPr lvl="0"/>
+            <a:r>
+              <a:rPr lang="en-US" dirty="0">
+                <a:solidFill>
+                  <a:srgbClr val="92D050"/>
+                </a:solidFill>
+              </a:rPr>
+              <a:t>Students needs an alternative way of reserving a room that should not be frightening.</a:t>
+            </a:r>
+            <a:endParaRPr lang="en-PH" dirty="0">
+              <a:solidFill>
+                <a:srgbClr val="92D050"/>
+              </a:solidFill>
+            </a:endParaRPr>
+          </a:p>
+          <a:p>
+            <a:pPr lvl="0"/>
+            <a:r>
+              <a:rPr lang="en-US" dirty="0">
+                <a:solidFill>
+                  <a:srgbClr val="92D050"/>
+                </a:solidFill>
+              </a:rPr>
+              <a:t>Students needs an access to the available and occupied room for easier reservation</a:t>
+            </a:r>
+            <a:endParaRPr lang="en-PH" dirty="0">
+              <a:solidFill>
+                <a:srgbClr val="92D050"/>
+              </a:solidFill>
+            </a:endParaRPr>
+          </a:p>
+          <a:p>
+            <a:pPr lvl="0"/>
+            <a:r>
+              <a:rPr lang="en-US" dirty="0">
+                <a:solidFill>
+                  <a:srgbClr val="92D050"/>
+                </a:solidFill>
+              </a:rPr>
+              <a:t>Students needs a concrete and unchanging confirmation and reservation of rooms.</a:t>
+            </a:r>
+            <a:endParaRPr lang="en-PH" dirty="0">
+              <a:solidFill>
+                <a:srgbClr val="92D050"/>
+              </a:solidFill>
+            </a:endParaRPr>
+          </a:p>
+          <a:p>
+            <a:pPr lvl="0"/>
+            <a:r>
+              <a:rPr lang="en-US" dirty="0">
+                <a:solidFill>
+                  <a:srgbClr val="92D050"/>
+                </a:solidFill>
+              </a:rPr>
+              <a:t>Students need endorsement from their adviser when reserving a room, but they don't have to go back and forth through the floors.</a:t>
+            </a:r>
+            <a:endParaRPr lang="en-PH" dirty="0">
+              <a:solidFill>
+                <a:srgbClr val="92D050"/>
+              </a:solidFill>
+            </a:endParaRPr>
+          </a:p>
+          <a:p>
+            <a:pPr lvl="0"/>
+            <a:r>
+              <a:rPr lang="en-US" dirty="0">
+                <a:solidFill>
+                  <a:srgbClr val="92D050"/>
+                </a:solidFill>
+              </a:rPr>
+              <a:t>Faculties needs an alternative way of reserving a room for time efficiency.</a:t>
+            </a:r>
+            <a:endParaRPr lang="en-PH" dirty="0">
+              <a:solidFill>
+                <a:srgbClr val="92D050"/>
+              </a:solidFill>
+            </a:endParaRPr>
+          </a:p>
+        </p:txBody>
+      </p:sp>
+      <p:pic>
+        <p:nvPicPr>
+          <p:cNvPr id="6" name="Picture 5">
+            <a:extLst>
+              <a:ext uri="{FF2B5EF4-FFF2-40B4-BE49-F238E27FC236}">
+                <a16:creationId xmlns:a16="http://schemas.microsoft.com/office/drawing/2014/main" id="{D7E769D1-06FB-480C-99B7-2339091A0398}"/>
+              </a:ext>
+            </a:extLst>
+          </p:cNvPr>
+          <p:cNvPicPr>
+            <a:picLocks noChangeAspect="1"/>
+          </p:cNvPicPr>
+          <p:nvPr/>
+        </p:nvPicPr>
+        <p:blipFill rotWithShape="1">
+          <a:blip r:embed="rId2">
+            <a:alphaModFix amt="35000"/>
+            <a:extLst>
+              <a:ext uri="{28A0092B-C50C-407E-A947-70E740481C1C}">
+                <a14:useLocalDpi xmlns:a14="http://schemas.microsoft.com/office/drawing/2010/main" val="0"/>
+              </a:ext>
+            </a:extLst>
+          </a:blip>
+          <a:srcRect t="12993" b="12994"/>
+          <a:stretch/>
+        </p:blipFill>
+        <p:spPr>
+          <a:xfrm>
+            <a:off x="-12191980" y="0"/>
+            <a:ext cx="12191980" cy="6857990"/>
+          </a:xfrm>
+          <a:prstGeom prst="rect">
+            <a:avLst/>
+          </a:prstGeom>
+        </p:spPr>
+      </p:pic>
+    </p:spTree>
+    <p:extLst>
+      <p:ext uri="{BB962C8B-B14F-4D97-AF65-F5344CB8AC3E}">
+        <p14:creationId xmlns:p14="http://schemas.microsoft.com/office/powerpoint/2010/main" val="2184331842"/>
+      </p:ext>
+    </p:extLst>
+  </p:cSld>
+  <p:clrMapOvr>
+    <a:overrideClrMapping bg1="dk1" tx1="lt1" bg2="dk2" tx2="lt2" accent1="accent1" accent2="accent2" accent3="accent3" accent4="accent4" accent5="accent5" accent6="accent6" hlink="hlink" folHlink="folHlink"/>
+  </p:clrMapOvr>
+  <mc:AlternateContent xmlns:mc="http://schemas.openxmlformats.org/markup-compatibility/2006" xmlns:p159="http://schemas.microsoft.com/office/powerpoint/2015/09/main">
+    <mc:Choice Requires="p159">
+      <p:transition xmlns:p14="http://schemas.microsoft.com/office/powerpoint/2010/main" spd="slow" p14:dur="2000">
+        <p159:morph option="byObject"/>
+      </p:transition>
+    </mc:Choice>
+    <mc:Fallback xmlns="">
+      <p:transition spd="slow">
+        <p:fade/>
+      </p:transition>
+    </mc:Fallback>
+  </mc:AlternateContent>
+  <p:timing>
+    <p:tnLst>
+      <p:par>
+        <p:cTn id="1" dur="indefinite" restart="never" nodeType="tmRoot">
+          <p:childTnLst>
+            <p:seq concurrent="1" nextAc="seek">
+              <p:cTn id="2" dur="indefinite" nodeType="mainSeq">
+                <p:childTnLst>
+                  <p:par>
+                    <p:cTn id="3" fill="hold">
+                      <p:stCondLst>
+                        <p:cond delay="indefinite"/>
+                      </p:stCondLst>
+                      <p:childTnLst>
+                        <p:par>
+                          <p:cTn id="4" fill="hold">
+                            <p:stCondLst>
+                              <p:cond delay="0"/>
+                            </p:stCondLst>
+                            <p:childTnLst>
+                              <p:par>
+                                <p:cTn id="5" presetID="42" presetClass="entr" presetSubtype="0" fill="hold" nodeType="clickEffect">
+                                  <p:stCondLst>
+                                    <p:cond delay="0"/>
+                                  </p:stCondLst>
+                                  <p:childTnLst>
+                                    <p:set>
+                                      <p:cBhvr>
+                                        <p:cTn id="6" dur="1" fill="hold">
+                                          <p:stCondLst>
+                                            <p:cond delay="0"/>
+                                          </p:stCondLst>
+                                        </p:cTn>
+                                        <p:tgtEl>
+                                          <p:spTgt spid="3">
+                                            <p:txEl>
+                                              <p:pRg st="0" end="0"/>
+                                            </p:txEl>
+                                          </p:spTgt>
+                                        </p:tgtEl>
+                                        <p:attrNameLst>
+                                          <p:attrName>style.visibility</p:attrName>
+                                        </p:attrNameLst>
+                                      </p:cBhvr>
+                                      <p:to>
+                                        <p:strVal val="visible"/>
+                                      </p:to>
+                                    </p:set>
+                                    <p:animEffect transition="in" filter="fade">
+                                      <p:cBhvr>
+                                        <p:cTn id="7" dur="1000"/>
+                                        <p:tgtEl>
+                                          <p:spTgt spid="3">
+                                            <p:txEl>
+                                              <p:pRg st="0" end="0"/>
+                                            </p:txEl>
+                                          </p:spTgt>
+                                        </p:tgtEl>
+                                      </p:cBhvr>
+                                    </p:animEffect>
+                                    <p:anim calcmode="lin" valueType="num">
+                                      <p:cBhvr>
+                                        <p:cTn id="8" dur="1000" fill="hold"/>
+                                        <p:tgtEl>
+                                          <p:spTgt spid="3">
+                                            <p:txEl>
+                                              <p:pRg st="0" end="0"/>
+                                            </p:txEl>
+                                          </p:spTgt>
+                                        </p:tgtEl>
+                                        <p:attrNameLst>
+                                          <p:attrName>ppt_x</p:attrName>
+                                        </p:attrNameLst>
+                                      </p:cBhvr>
+                                      <p:tavLst>
+                                        <p:tav tm="0">
+                                          <p:val>
+                                            <p:strVal val="#ppt_x"/>
+                                          </p:val>
+                                        </p:tav>
+                                        <p:tav tm="100000">
+                                          <p:val>
+                                            <p:strVal val="#ppt_x"/>
+                                          </p:val>
+                                        </p:tav>
+                                      </p:tavLst>
+                                    </p:anim>
+                                    <p:anim calcmode="lin" valueType="num">
+                                      <p:cBhvr>
+                                        <p:cTn id="9" dur="1000" fill="hold"/>
+                                        <p:tgtEl>
+                                          <p:spTgt spid="3">
+                                            <p:txEl>
+                                              <p:pRg st="0" end="0"/>
+                                            </p:txEl>
+                                          </p:spTgt>
+                                        </p:tgtEl>
+                                        <p:attrNameLst>
+                                          <p:attrName>ppt_y</p:attrName>
+                                        </p:attrNameLst>
+                                      </p:cBhvr>
+                                      <p:tavLst>
+                                        <p:tav tm="0">
+                                          <p:val>
+                                            <p:strVal val="#ppt_y+.1"/>
+                                          </p:val>
+                                        </p:tav>
+                                        <p:tav tm="100000">
+                                          <p:val>
+                                            <p:strVal val="#ppt_y"/>
+                                          </p:val>
+                                        </p:tav>
+                                      </p:tavLst>
+                                    </p:anim>
+                                  </p:childTnLst>
+                                </p:cTn>
+                              </p:par>
+                            </p:childTnLst>
+                          </p:cTn>
+                        </p:par>
+                      </p:childTnLst>
+                    </p:cTn>
+                  </p:par>
+                  <p:par>
+                    <p:cTn id="10" fill="hold">
+                      <p:stCondLst>
+                        <p:cond delay="indefinite"/>
+                      </p:stCondLst>
+                      <p:childTnLst>
+                        <p:par>
+                          <p:cTn id="11" fill="hold">
+                            <p:stCondLst>
+                              <p:cond delay="0"/>
+                            </p:stCondLst>
+                            <p:childTnLst>
+                              <p:par>
+                                <p:cTn id="12" presetID="42" presetClass="entr" presetSubtype="0" fill="hold" nodeType="clickEffect">
+                                  <p:stCondLst>
+                                    <p:cond delay="0"/>
+                                  </p:stCondLst>
+                                  <p:childTnLst>
+                                    <p:set>
+                                      <p:cBhvr>
+                                        <p:cTn id="13" dur="1" fill="hold">
+                                          <p:stCondLst>
+                                            <p:cond delay="0"/>
+                                          </p:stCondLst>
+                                        </p:cTn>
+                                        <p:tgtEl>
+                                          <p:spTgt spid="3">
+                                            <p:txEl>
+                                              <p:pRg st="1" end="1"/>
+                                            </p:txEl>
+                                          </p:spTgt>
+                                        </p:tgtEl>
+                                        <p:attrNameLst>
+                                          <p:attrName>style.visibility</p:attrName>
+                                        </p:attrNameLst>
+                                      </p:cBhvr>
+                                      <p:to>
+                                        <p:strVal val="visible"/>
+                                      </p:to>
+                                    </p:set>
+                                    <p:animEffect transition="in" filter="fade">
+                                      <p:cBhvr>
+                                        <p:cTn id="14" dur="1000"/>
+                                        <p:tgtEl>
+                                          <p:spTgt spid="3">
+                                            <p:txEl>
+                                              <p:pRg st="1" end="1"/>
+                                            </p:txEl>
+                                          </p:spTgt>
+                                        </p:tgtEl>
+                                      </p:cBhvr>
+                                    </p:animEffect>
+                                    <p:anim calcmode="lin" valueType="num">
+                                      <p:cBhvr>
+                                        <p:cTn id="15" dur="1000" fill="hold"/>
+                                        <p:tgtEl>
+                                          <p:spTgt spid="3">
+                                            <p:txEl>
+                                              <p:pRg st="1" end="1"/>
+                                            </p:txEl>
+                                          </p:spTgt>
+                                        </p:tgtEl>
+                                        <p:attrNameLst>
+                                          <p:attrName>ppt_x</p:attrName>
+                                        </p:attrNameLst>
+                                      </p:cBhvr>
+                                      <p:tavLst>
+                                        <p:tav tm="0">
+                                          <p:val>
+                                            <p:strVal val="#ppt_x"/>
+                                          </p:val>
+                                        </p:tav>
+                                        <p:tav tm="100000">
+                                          <p:val>
+                                            <p:strVal val="#ppt_x"/>
+                                          </p:val>
+                                        </p:tav>
+                                      </p:tavLst>
+                                    </p:anim>
+                                    <p:anim calcmode="lin" valueType="num">
+                                      <p:cBhvr>
+                                        <p:cTn id="16" dur="1000" fill="hold"/>
+                                        <p:tgtEl>
+                                          <p:spTgt spid="3">
+                                            <p:txEl>
+                                              <p:pRg st="1" end="1"/>
+                                            </p:txEl>
+                                          </p:spTgt>
+                                        </p:tgtEl>
+                                        <p:attrNameLst>
+                                          <p:attrName>ppt_y</p:attrName>
+                                        </p:attrNameLst>
+                                      </p:cBhvr>
+                                      <p:tavLst>
+                                        <p:tav tm="0">
+                                          <p:val>
+                                            <p:strVal val="#ppt_y+.1"/>
+                                          </p:val>
+                                        </p:tav>
+                                        <p:tav tm="100000">
+                                          <p:val>
+                                            <p:strVal val="#ppt_y"/>
+                                          </p:val>
+                                        </p:tav>
+                                      </p:tavLst>
+                                    </p:anim>
+                                  </p:childTnLst>
+                                </p:cTn>
+                              </p:par>
+                            </p:childTnLst>
+                          </p:cTn>
+                        </p:par>
+                      </p:childTnLst>
+                    </p:cTn>
+                  </p:par>
+                  <p:par>
+                    <p:cTn id="17" fill="hold">
+                      <p:stCondLst>
+                        <p:cond delay="indefinite"/>
+                      </p:stCondLst>
+                      <p:childTnLst>
+                        <p:par>
+                          <p:cTn id="18" fill="hold">
+                            <p:stCondLst>
+                              <p:cond delay="0"/>
+                            </p:stCondLst>
+                            <p:childTnLst>
+                              <p:par>
+                                <p:cTn id="19" presetID="42" presetClass="entr" presetSubtype="0" fill="hold" nodeType="clickEffect">
+                                  <p:stCondLst>
+                                    <p:cond delay="0"/>
+                                  </p:stCondLst>
+                                  <p:childTnLst>
+                                    <p:set>
+                                      <p:cBhvr>
+                                        <p:cTn id="20" dur="1" fill="hold">
+                                          <p:stCondLst>
+                                            <p:cond delay="0"/>
+                                          </p:stCondLst>
+                                        </p:cTn>
+                                        <p:tgtEl>
+                                          <p:spTgt spid="3">
+                                            <p:txEl>
+                                              <p:pRg st="2" end="2"/>
+                                            </p:txEl>
+                                          </p:spTgt>
+                                        </p:tgtEl>
+                                        <p:attrNameLst>
+                                          <p:attrName>style.visibility</p:attrName>
+                                        </p:attrNameLst>
+                                      </p:cBhvr>
+                                      <p:to>
+                                        <p:strVal val="visible"/>
+                                      </p:to>
+                                    </p:set>
+                                    <p:animEffect transition="in" filter="fade">
+                                      <p:cBhvr>
+                                        <p:cTn id="21" dur="1000"/>
+                                        <p:tgtEl>
+                                          <p:spTgt spid="3">
+                                            <p:txEl>
+                                              <p:pRg st="2" end="2"/>
+                                            </p:txEl>
+                                          </p:spTgt>
+                                        </p:tgtEl>
+                                      </p:cBhvr>
+                                    </p:animEffect>
+                                    <p:anim calcmode="lin" valueType="num">
+                                      <p:cBhvr>
+                                        <p:cTn id="22" dur="1000" fill="hold"/>
+                                        <p:tgtEl>
+                                          <p:spTgt spid="3">
+                                            <p:txEl>
+                                              <p:pRg st="2" end="2"/>
+                                            </p:txEl>
+                                          </p:spTgt>
+                                        </p:tgtEl>
+                                        <p:attrNameLst>
+                                          <p:attrName>ppt_x</p:attrName>
+                                        </p:attrNameLst>
+                                      </p:cBhvr>
+                                      <p:tavLst>
+                                        <p:tav tm="0">
+                                          <p:val>
+                                            <p:strVal val="#ppt_x"/>
+                                          </p:val>
+                                        </p:tav>
+                                        <p:tav tm="100000">
+                                          <p:val>
+                                            <p:strVal val="#ppt_x"/>
+                                          </p:val>
+                                        </p:tav>
+                                      </p:tavLst>
+                                    </p:anim>
+                                    <p:anim calcmode="lin" valueType="num">
+                                      <p:cBhvr>
+                                        <p:cTn id="23" dur="1000" fill="hold"/>
+                                        <p:tgtEl>
+                                          <p:spTgt spid="3">
+                                            <p:txEl>
+                                              <p:pRg st="2" end="2"/>
+                                            </p:txEl>
+                                          </p:spTgt>
+                                        </p:tgtEl>
+                                        <p:attrNameLst>
+                                          <p:attrName>ppt_y</p:attrName>
+                                        </p:attrNameLst>
+                                      </p:cBhvr>
+                                      <p:tavLst>
+                                        <p:tav tm="0">
+                                          <p:val>
+                                            <p:strVal val="#ppt_y+.1"/>
+                                          </p:val>
+                                        </p:tav>
+                                        <p:tav tm="100000">
+                                          <p:val>
+                                            <p:strVal val="#ppt_y"/>
+                                          </p:val>
+                                        </p:tav>
+                                      </p:tavLst>
+                                    </p:anim>
+                                  </p:childTnLst>
+                                </p:cTn>
+                              </p:par>
+                            </p:childTnLst>
+                          </p:cTn>
+                        </p:par>
+                      </p:childTnLst>
+                    </p:cTn>
+                  </p:par>
+                  <p:par>
+                    <p:cTn id="24" fill="hold">
+                      <p:stCondLst>
+                        <p:cond delay="indefinite"/>
+                      </p:stCondLst>
+                      <p:childTnLst>
+                        <p:par>
+                          <p:cTn id="25" fill="hold">
+                            <p:stCondLst>
+                              <p:cond delay="0"/>
+                            </p:stCondLst>
+                            <p:childTnLst>
+                              <p:par>
+                                <p:cTn id="26" presetID="42" presetClass="entr" presetSubtype="0" fill="hold" nodeType="clickEffect">
+                                  <p:stCondLst>
+                                    <p:cond delay="0"/>
+                                  </p:stCondLst>
+                                  <p:childTnLst>
+                                    <p:set>
+                                      <p:cBhvr>
+                                        <p:cTn id="27" dur="1" fill="hold">
+                                          <p:stCondLst>
+                                            <p:cond delay="0"/>
+                                          </p:stCondLst>
+                                        </p:cTn>
+                                        <p:tgtEl>
+                                          <p:spTgt spid="3">
+                                            <p:txEl>
+                                              <p:pRg st="3" end="3"/>
+                                            </p:txEl>
+                                          </p:spTgt>
+                                        </p:tgtEl>
+                                        <p:attrNameLst>
+                                          <p:attrName>style.visibility</p:attrName>
+                                        </p:attrNameLst>
+                                      </p:cBhvr>
+                                      <p:to>
+                                        <p:strVal val="visible"/>
+                                      </p:to>
+                                    </p:set>
+                                    <p:animEffect transition="in" filter="fade">
+                                      <p:cBhvr>
+                                        <p:cTn id="28" dur="1000"/>
+                                        <p:tgtEl>
+                                          <p:spTgt spid="3">
+                                            <p:txEl>
+                                              <p:pRg st="3" end="3"/>
+                                            </p:txEl>
+                                          </p:spTgt>
+                                        </p:tgtEl>
+                                      </p:cBhvr>
+                                    </p:animEffect>
+                                    <p:anim calcmode="lin" valueType="num">
+                                      <p:cBhvr>
+                                        <p:cTn id="29" dur="1000" fill="hold"/>
+                                        <p:tgtEl>
+                                          <p:spTgt spid="3">
+                                            <p:txEl>
+                                              <p:pRg st="3" end="3"/>
+                                            </p:txEl>
+                                          </p:spTgt>
+                                        </p:tgtEl>
+                                        <p:attrNameLst>
+                                          <p:attrName>ppt_x</p:attrName>
+                                        </p:attrNameLst>
+                                      </p:cBhvr>
+                                      <p:tavLst>
+                                        <p:tav tm="0">
+                                          <p:val>
+                                            <p:strVal val="#ppt_x"/>
+                                          </p:val>
+                                        </p:tav>
+                                        <p:tav tm="100000">
+                                          <p:val>
+                                            <p:strVal val="#ppt_x"/>
+                                          </p:val>
+                                        </p:tav>
+                                      </p:tavLst>
+                                    </p:anim>
+                                    <p:anim calcmode="lin" valueType="num">
+                                      <p:cBhvr>
+                                        <p:cTn id="30" dur="1000" fill="hold"/>
+                                        <p:tgtEl>
+                                          <p:spTgt spid="3">
+                                            <p:txEl>
+                                              <p:pRg st="3" end="3"/>
+                                            </p:txEl>
+                                          </p:spTgt>
+                                        </p:tgtEl>
+                                        <p:attrNameLst>
+                                          <p:attrName>ppt_y</p:attrName>
+                                        </p:attrNameLst>
+                                      </p:cBhvr>
+                                      <p:tavLst>
+                                        <p:tav tm="0">
+                                          <p:val>
+                                            <p:strVal val="#ppt_y+.1"/>
+                                          </p:val>
+                                        </p:tav>
+                                        <p:tav tm="100000">
+                                          <p:val>
+                                            <p:strVal val="#ppt_y"/>
+                                          </p:val>
+                                        </p:tav>
+                                      </p:tavLst>
+                                    </p:anim>
+                                  </p:childTnLst>
+                                </p:cTn>
+                              </p:par>
+                            </p:childTnLst>
+                          </p:cTn>
+                        </p:par>
+                      </p:childTnLst>
+                    </p:cTn>
+                  </p:par>
+                  <p:par>
+                    <p:cTn id="31" fill="hold">
+                      <p:stCondLst>
+                        <p:cond delay="indefinite"/>
+                      </p:stCondLst>
+                      <p:childTnLst>
+                        <p:par>
+                          <p:cTn id="32" fill="hold">
+                            <p:stCondLst>
+                              <p:cond delay="0"/>
+                            </p:stCondLst>
+                            <p:childTnLst>
+                              <p:par>
+                                <p:cTn id="33" presetID="42" presetClass="entr" presetSubtype="0" fill="hold" nodeType="clickEffect">
+                                  <p:stCondLst>
+                                    <p:cond delay="0"/>
+                                  </p:stCondLst>
+                                  <p:childTnLst>
+                                    <p:set>
+                                      <p:cBhvr>
+                                        <p:cTn id="34" dur="1" fill="hold">
+                                          <p:stCondLst>
+                                            <p:cond delay="0"/>
+                                          </p:stCondLst>
+                                        </p:cTn>
+                                        <p:tgtEl>
+                                          <p:spTgt spid="3">
+                                            <p:txEl>
+                                              <p:pRg st="4" end="4"/>
+                                            </p:txEl>
+                                          </p:spTgt>
+                                        </p:tgtEl>
+                                        <p:attrNameLst>
+                                          <p:attrName>style.visibility</p:attrName>
+                                        </p:attrNameLst>
+                                      </p:cBhvr>
+                                      <p:to>
+                                        <p:strVal val="visible"/>
+                                      </p:to>
+                                    </p:set>
+                                    <p:animEffect transition="in" filter="fade">
+                                      <p:cBhvr>
+                                        <p:cTn id="35" dur="1000"/>
+                                        <p:tgtEl>
+                                          <p:spTgt spid="3">
+                                            <p:txEl>
+                                              <p:pRg st="4" end="4"/>
+                                            </p:txEl>
+                                          </p:spTgt>
+                                        </p:tgtEl>
+                                      </p:cBhvr>
+                                    </p:animEffect>
+                                    <p:anim calcmode="lin" valueType="num">
+                                      <p:cBhvr>
+                                        <p:cTn id="36" dur="1000" fill="hold"/>
+                                        <p:tgtEl>
+                                          <p:spTgt spid="3">
+                                            <p:txEl>
+                                              <p:pRg st="4" end="4"/>
+                                            </p:txEl>
+                                          </p:spTgt>
+                                        </p:tgtEl>
+                                        <p:attrNameLst>
+                                          <p:attrName>ppt_x</p:attrName>
+                                        </p:attrNameLst>
+                                      </p:cBhvr>
+                                      <p:tavLst>
+                                        <p:tav tm="0">
+                                          <p:val>
+                                            <p:strVal val="#ppt_x"/>
+                                          </p:val>
+                                        </p:tav>
+                                        <p:tav tm="100000">
+                                          <p:val>
+                                            <p:strVal val="#ppt_x"/>
+                                          </p:val>
+                                        </p:tav>
+                                      </p:tavLst>
+                                    </p:anim>
+                                    <p:anim calcmode="lin" valueType="num">
+                                      <p:cBhvr>
+                                        <p:cTn id="37" dur="1000" fill="hold"/>
+                                        <p:tgtEl>
+                                          <p:spTgt spid="3">
+                                            <p:txEl>
+                                              <p:pRg st="4" end="4"/>
+                                            </p:txEl>
+                                          </p:spTgt>
+                                        </p:tgtEl>
+                                        <p:attrNameLst>
+                                          <p:attrName>ppt_y</p:attrName>
+                                        </p:attrNameLst>
+                                      </p:cBhvr>
+                                      <p:tavLst>
+                                        <p:tav tm="0">
+                                          <p:val>
+                                            <p:strVal val="#ppt_y+.1"/>
+                                          </p:val>
+                                        </p:tav>
+                                        <p:tav tm="100000">
+                                          <p:val>
+                                            <p:strVal val="#ppt_y"/>
+                                          </p:val>
+                                        </p:tav>
+                                      </p:tavLst>
+                                    </p:anim>
+                                  </p:childTnLst>
+                                </p:cTn>
+                              </p:par>
+                            </p:childTnLst>
+                          </p:cTn>
+                        </p:par>
+                      </p:childTnLst>
+                    </p:cTn>
+                  </p:par>
+                  <p:par>
+                    <p:cTn id="38" fill="hold">
+                      <p:stCondLst>
+                        <p:cond delay="indefinite"/>
+                      </p:stCondLst>
+                      <p:childTnLst>
+                        <p:par>
+                          <p:cTn id="39" fill="hold">
+                            <p:stCondLst>
+                              <p:cond delay="0"/>
+                            </p:stCondLst>
+                            <p:childTnLst>
+                              <p:par>
+                                <p:cTn id="40" presetID="42" presetClass="entr" presetSubtype="0" fill="hold" nodeType="clickEffect">
+                                  <p:stCondLst>
+                                    <p:cond delay="0"/>
+                                  </p:stCondLst>
+                                  <p:childTnLst>
+                                    <p:set>
+                                      <p:cBhvr>
+                                        <p:cTn id="41" dur="1" fill="hold">
+                                          <p:stCondLst>
+                                            <p:cond delay="0"/>
+                                          </p:stCondLst>
+                                        </p:cTn>
+                                        <p:tgtEl>
+                                          <p:spTgt spid="3">
+                                            <p:txEl>
+                                              <p:pRg st="5" end="5"/>
+                                            </p:txEl>
+                                          </p:spTgt>
+                                        </p:tgtEl>
+                                        <p:attrNameLst>
+                                          <p:attrName>style.visibility</p:attrName>
+                                        </p:attrNameLst>
+                                      </p:cBhvr>
+                                      <p:to>
+                                        <p:strVal val="visible"/>
+                                      </p:to>
+                                    </p:set>
+                                    <p:animEffect transition="in" filter="fade">
+                                      <p:cBhvr>
+                                        <p:cTn id="42" dur="1000"/>
+                                        <p:tgtEl>
+                                          <p:spTgt spid="3">
+                                            <p:txEl>
+                                              <p:pRg st="5" end="5"/>
+                                            </p:txEl>
+                                          </p:spTgt>
+                                        </p:tgtEl>
+                                      </p:cBhvr>
+                                    </p:animEffect>
+                                    <p:anim calcmode="lin" valueType="num">
+                                      <p:cBhvr>
+                                        <p:cTn id="43" dur="1000" fill="hold"/>
+                                        <p:tgtEl>
+                                          <p:spTgt spid="3">
+                                            <p:txEl>
+                                              <p:pRg st="5" end="5"/>
+                                            </p:txEl>
+                                          </p:spTgt>
+                                        </p:tgtEl>
+                                        <p:attrNameLst>
+                                          <p:attrName>ppt_x</p:attrName>
+                                        </p:attrNameLst>
+                                      </p:cBhvr>
+                                      <p:tavLst>
+                                        <p:tav tm="0">
+                                          <p:val>
+                                            <p:strVal val="#ppt_x"/>
+                                          </p:val>
+                                        </p:tav>
+                                        <p:tav tm="100000">
+                                          <p:val>
+                                            <p:strVal val="#ppt_x"/>
+                                          </p:val>
+                                        </p:tav>
+                                      </p:tavLst>
+                                    </p:anim>
+                                    <p:anim calcmode="lin" valueType="num">
+                                      <p:cBhvr>
+                                        <p:cTn id="44" dur="1000" fill="hold"/>
+                                        <p:tgtEl>
+                                          <p:spTgt spid="3">
+                                            <p:txEl>
+                                              <p:pRg st="5" end="5"/>
+                                            </p:txEl>
+                                          </p:spTgt>
+                                        </p:tgtEl>
+                                        <p:attrNameLst>
+                                          <p:attrName>ppt_y</p:attrName>
+                                        </p:attrNameLst>
+                                      </p:cBhvr>
+                                      <p:tavLst>
+                                        <p:tav tm="0">
+                                          <p:val>
+                                            <p:strVal val="#ppt_y+.1"/>
+                                          </p:val>
+                                        </p:tav>
+                                        <p:tav tm="100000">
+                                          <p:val>
+                                            <p:strVal val="#ppt_y"/>
+                                          </p:val>
+                                        </p:tav>
+                                      </p:tavLst>
+                                    </p:anim>
+                                  </p:childTnLst>
+                                </p:cTn>
+                              </p:par>
+                            </p:childTnLst>
+                          </p:cTn>
+                        </p:par>
+                      </p:childTnLst>
+                    </p:cTn>
+                  </p:par>
+                </p:childTnLst>
+              </p:cTn>
+              <p:prevCondLst>
+                <p:cond evt="onPrev" delay="0">
+                  <p:tgtEl>
+                    <p:sldTgt/>
+                  </p:tgtEl>
+                </p:cond>
+              </p:prevCondLst>
+              <p:nextCondLst>
+                <p:cond evt="onNext" delay="0">
+                  <p:tgtEl>
+                    <p:sldTgt/>
+                  </p:tgtEl>
+                </p:cond>
+              </p:nextCondLst>
+            </p:seq>
+          </p:childTnLst>
+        </p:cTn>
+      </p:par>
+    </p:tnLst>
+  </p:timing>
+</p:sld>
+</file>
+
+<file path=ppt/slides/slide2.xml><?xml version="1.0" encoding="utf-8"?>
+<p:sld xmlns:a="http://schemas.openxmlformats.org/drawingml/2006/main" xmlns:r="http://schemas.openxmlformats.org/officeDocument/2006/relationships" xmlns:p="http://schemas.openxmlformats.org/presentationml/2006/main">
+  <p:cSld>
+    <p:bg>
+      <p:bgPr>
+        <a:solidFill>
+          <a:schemeClr val="bg1"/>
+        </a:solidFill>
+        <a:effectLst/>
+      </p:bgPr>
+    </p:bg>
+    <p:spTree>
+      <p:nvGrpSpPr>
+        <p:cNvPr id="1" name=""/>
+        <p:cNvGrpSpPr/>
+        <p:nvPr/>
+      </p:nvGrpSpPr>
+      <p:grpSpPr>
+        <a:xfrm>
+          <a:off x="0" y="0"/>
+          <a:ext cx="0" cy="0"/>
+          <a:chOff x="0" y="0"/>
+          <a:chExt cx="0" cy="0"/>
+        </a:xfrm>
+      </p:grpSpPr>
+      <p:sp>
+        <p:nvSpPr>
+          <p:cNvPr id="9" name="Rectangle 8">
+            <a:extLst>
+              <a:ext uri="{FF2B5EF4-FFF2-40B4-BE49-F238E27FC236}">
+                <a16:creationId xmlns:a16="http://schemas.microsoft.com/office/drawing/2014/main" id="{9228552E-C8B1-4A80-8448-0787CE0FC704}"/>
+              </a:ext>
+              <a:ext uri="{C183D7F6-B498-43B3-948B-1728B52AA6E4}">
+                <adec:decorative xmlns:adec="http://schemas.microsoft.com/office/drawing/2017/decorative" val="1"/>
+              </a:ext>
+            </a:extLst>
+          </p:cNvPr>
+          <p:cNvSpPr>
+            <a:spLocks noGrp="1" noRot="1" noChangeAspect="1" noMove="1" noResize="1" noEditPoints="1" noAdjustHandles="1" noChangeArrowheads="1" noChangeShapeType="1" noTextEdit="1"/>
+          </p:cNvSpPr>
+          <p:nvPr>
+            <p:extLst>
+              <p:ext uri="{386F3935-93C4-4BCD-93E2-E3B085C9AB24}">
+                <p16:designElem xmlns:p16="http://schemas.microsoft.com/office/powerpoint/2015/main" val="1"/>
+              </p:ext>
+            </p:extLst>
+          </p:nvPr>
+        </p:nvSpPr>
+        <p:spPr>
+          <a:xfrm>
+            <a:off x="0" y="0"/>
+            <a:ext cx="12192000" cy="6858000"/>
+          </a:xfrm>
+          <a:prstGeom prst="rect">
+            <a:avLst/>
+          </a:prstGeom>
+          <a:solidFill>
+            <a:srgbClr val="000000"/>
+          </a:solidFill>
+          <a:ln>
+            <a:noFill/>
+          </a:ln>
+        </p:spPr>
+        <p:style>
+          <a:lnRef idx="2">
+            <a:schemeClr val="accent1">
+              <a:shade val="50000"/>
+            </a:schemeClr>
+          </a:lnRef>
+          <a:fillRef idx="1">
+            <a:schemeClr val="accent1"/>
+          </a:fillRef>
+          <a:effectRef idx="0">
+            <a:schemeClr val="accent1"/>
+          </a:effectRef>
+          <a:fontRef idx="minor">
+            <a:schemeClr val="lt1"/>
+          </a:fontRef>
+        </p:style>
+        <p:txBody>
+          <a:bodyPr rtlCol="0" anchor="ctr"/>
+          <a:lstStyle/>
+          <a:p>
+            <a:pPr algn="ctr"/>
+            <a:endParaRPr lang="en-US"/>
+          </a:p>
+        </p:txBody>
+      </p:sp>
+      <p:pic>
+        <p:nvPicPr>
+          <p:cNvPr id="4" name="Picture 3">
+            <a:extLst>
+              <a:ext uri="{FF2B5EF4-FFF2-40B4-BE49-F238E27FC236}">
+                <a16:creationId xmlns:a16="http://schemas.microsoft.com/office/drawing/2014/main" id="{7DF58695-A159-45DB-B837-3C5032930BBE}"/>
+              </a:ext>
+            </a:extLst>
+          </p:cNvPr>
+          <p:cNvPicPr>
+            <a:picLocks noChangeAspect="1"/>
+          </p:cNvPicPr>
+          <p:nvPr/>
+        </p:nvPicPr>
+        <p:blipFill rotWithShape="1">
+          <a:blip r:embed="rId2">
+            <a:alphaModFix amt="35000"/>
+            <a:extLst>
+              <a:ext uri="{28A0092B-C50C-407E-A947-70E740481C1C}">
+                <a14:useLocalDpi xmlns:a14="http://schemas.microsoft.com/office/drawing/2010/main" val="0"/>
+              </a:ext>
+            </a:extLst>
+          </a:blip>
+          <a:srcRect t="12993" b="12994"/>
+          <a:stretch/>
+        </p:blipFill>
+        <p:spPr>
+          <a:xfrm>
+            <a:off x="20" y="10"/>
+            <a:ext cx="12191980" cy="6857990"/>
+          </a:xfrm>
+          <a:prstGeom prst="rect">
+            <a:avLst/>
+          </a:prstGeom>
+        </p:spPr>
+      </p:pic>
+      <p:sp>
+        <p:nvSpPr>
+          <p:cNvPr id="2" name="Title 1">
+            <a:extLst>
+              <a:ext uri="{FF2B5EF4-FFF2-40B4-BE49-F238E27FC236}">
+                <a16:creationId xmlns:a16="http://schemas.microsoft.com/office/drawing/2014/main" id="{0F7CD080-8835-4584-93D2-027D87576ECC}"/>
+              </a:ext>
+            </a:extLst>
+          </p:cNvPr>
+          <p:cNvSpPr>
+            <a:spLocks noGrp="1"/>
+          </p:cNvSpPr>
+          <p:nvPr>
+            <p:ph type="title"/>
+          </p:nvPr>
+        </p:nvSpPr>
+        <p:spPr>
+          <a:xfrm>
+            <a:off x="838200" y="365125"/>
+            <a:ext cx="10515600" cy="1325563"/>
+          </a:xfrm>
+        </p:spPr>
+        <p:txBody>
+          <a:bodyPr>
+            <a:normAutofit/>
+          </a:bodyPr>
+          <a:lstStyle/>
+          <a:p>
+            <a:r>
+              <a:rPr lang="en-US" dirty="0">
+                <a:solidFill>
+                  <a:srgbClr val="FFFFFF"/>
+                </a:solidFill>
+                <a:latin typeface="Segoe UI Light" panose="020B0502040204020203" pitchFamily="34" charset="0"/>
+                <a:cs typeface="Segoe UI Light" panose="020B0502040204020203" pitchFamily="34" charset="0"/>
+              </a:rPr>
               <a:t>What activity did you choose to examine?</a:t>
             </a:r>
           </a:p>
@@ -4642,13 +5718,13 @@
   <p:clrMapOvr>
     <a:overrideClrMapping bg1="dk1" tx1="lt1" bg2="dk2" tx2="lt2" accent1="accent1" accent2="accent2" accent3="accent3" accent4="accent4" accent5="accent5" accent6="accent6" hlink="hlink" folHlink="folHlink"/>
   </p:clrMapOvr>
-  <mc:AlternateContent xmlns:mc="http://schemas.openxmlformats.org/markup-compatibility/2006">
-    <mc:Choice xmlns:p159="http://schemas.microsoft.com/office/powerpoint/2015/09/main" Requires="p159">
+  <mc:AlternateContent xmlns:mc="http://schemas.openxmlformats.org/markup-compatibility/2006" xmlns:p159="http://schemas.microsoft.com/office/powerpoint/2015/09/main">
+    <mc:Choice Requires="p159">
       <p:transition xmlns:p14="http://schemas.microsoft.com/office/powerpoint/2010/main" spd="slow" p14:dur="2000">
         <p159:morph option="byObject"/>
       </p:transition>
     </mc:Choice>
-    <mc:Fallback>
+    <mc:Fallback xmlns="">
       <p:transition spd="slow">
         <p:fade/>
       </p:transition>
@@ -5133,6 +6209,346 @@
           <a:chExt cx="0" cy="0"/>
         </a:xfrm>
       </p:grpSpPr>
+      <p:pic>
+        <p:nvPicPr>
+          <p:cNvPr id="4" name="Picture 3">
+            <a:extLst>
+              <a:ext uri="{FF2B5EF4-FFF2-40B4-BE49-F238E27FC236}">
+                <a16:creationId xmlns:a16="http://schemas.microsoft.com/office/drawing/2014/main" id="{303908A6-A0F6-41A1-9A00-117744BFB96E}"/>
+              </a:ext>
+            </a:extLst>
+          </p:cNvPr>
+          <p:cNvPicPr>
+            <a:picLocks noChangeAspect="1"/>
+          </p:cNvPicPr>
+          <p:nvPr/>
+        </p:nvPicPr>
+        <p:blipFill rotWithShape="1">
+          <a:blip r:embed="rId2">
+            <a:alphaModFix/>
+            <a:extLst>
+              <a:ext uri="{28A0092B-C50C-407E-A947-70E740481C1C}">
+                <a14:useLocalDpi xmlns:a14="http://schemas.microsoft.com/office/drawing/2010/main" val="0"/>
+              </a:ext>
+            </a:extLst>
+          </a:blip>
+          <a:srcRect l="5425" r="23715" b="-1"/>
+          <a:stretch/>
+        </p:blipFill>
+        <p:spPr>
+          <a:xfrm>
+            <a:off x="6096000" y="10"/>
+            <a:ext cx="6394152" cy="6857990"/>
+          </a:xfrm>
+          <a:prstGeom prst="rect">
+            <a:avLst/>
+          </a:prstGeom>
+        </p:spPr>
+      </p:pic>
+      <p:pic>
+        <p:nvPicPr>
+          <p:cNvPr id="9" name="Picture 8">
+            <a:extLst>
+              <a:ext uri="{FF2B5EF4-FFF2-40B4-BE49-F238E27FC236}">
+                <a16:creationId xmlns:a16="http://schemas.microsoft.com/office/drawing/2014/main" id="{54DDEBDD-D8BD-41A6-8A0D-B00E3768B0F9}"/>
+              </a:ext>
+              <a:ext uri="{C183D7F6-B498-43B3-948B-1728B52AA6E4}">
+                <adec:decorative xmlns:adec="http://schemas.microsoft.com/office/drawing/2017/decorative" val="1"/>
+              </a:ext>
+            </a:extLst>
+          </p:cNvPr>
+          <p:cNvPicPr>
+            <a:picLocks noGrp="1" noRot="1" noChangeAspect="1" noMove="1" noResize="1" noEditPoints="1" noAdjustHandles="1" noChangeArrowheads="1" noChangeShapeType="1" noCrop="1"/>
+          </p:cNvPicPr>
+          <p:nvPr>
+            <p:extLst>
+              <p:ext uri="{386F3935-93C4-4BCD-93E2-E3B085C9AB24}">
+                <p16:designElem xmlns:p16="http://schemas.microsoft.com/office/powerpoint/2015/main" val="1"/>
+              </p:ext>
+            </p:extLst>
+          </p:nvPr>
+        </p:nvPicPr>
+        <p:blipFill>
+          <a:blip r:embed="rId3">
+            <a:extLst>
+              <a:ext uri="{28A0092B-C50C-407E-A947-70E740481C1C}">
+                <a14:useLocalDpi xmlns:a14="http://schemas.microsoft.com/office/drawing/2010/main" val="0"/>
+              </a:ext>
+            </a:extLst>
+          </a:blip>
+          <a:stretch>
+            <a:fillRect/>
+          </a:stretch>
+        </p:blipFill>
+        <p:spPr>
+          <a:xfrm flipH="1" flipV="1">
+            <a:off x="0" y="0"/>
+            <a:ext cx="12192000" cy="6858000"/>
+          </a:xfrm>
+          <a:prstGeom prst="rect">
+            <a:avLst/>
+          </a:prstGeom>
+        </p:spPr>
+      </p:pic>
+      <p:sp>
+        <p:nvSpPr>
+          <p:cNvPr id="2" name="Title 1">
+            <a:extLst>
+              <a:ext uri="{FF2B5EF4-FFF2-40B4-BE49-F238E27FC236}">
+                <a16:creationId xmlns:a16="http://schemas.microsoft.com/office/drawing/2014/main" id="{90336615-5AFB-435B-A450-AFEC17CE7BEC}"/>
+              </a:ext>
+            </a:extLst>
+          </p:cNvPr>
+          <p:cNvSpPr>
+            <a:spLocks noGrp="1"/>
+          </p:cNvSpPr>
+          <p:nvPr>
+            <p:ph type="title"/>
+          </p:nvPr>
+        </p:nvSpPr>
+        <p:spPr>
+          <a:xfrm>
+            <a:off x="475756" y="798445"/>
+            <a:ext cx="4803636" cy="1311664"/>
+          </a:xfrm>
+        </p:spPr>
+        <p:txBody>
+          <a:bodyPr>
+            <a:noAutofit/>
+          </a:bodyPr>
+          <a:lstStyle/>
+          <a:p>
+            <a:r>
+              <a:rPr lang="en-US" sz="3600" dirty="0">
+                <a:solidFill>
+                  <a:srgbClr val="000000"/>
+                </a:solidFill>
+                <a:latin typeface="Segoe UI Light" panose="020B0502040204020203" pitchFamily="34" charset="0"/>
+                <a:cs typeface="Segoe UI Light" panose="020B0502040204020203" pitchFamily="34" charset="0"/>
+              </a:rPr>
+              <a:t>How did you examine it, with what methods?</a:t>
+            </a:r>
+            <a:br>
+              <a:rPr lang="en-US" sz="3600" dirty="0">
+                <a:solidFill>
+                  <a:srgbClr val="000000"/>
+                </a:solidFill>
+                <a:latin typeface="Segoe UI Light" panose="020B0502040204020203" pitchFamily="34" charset="0"/>
+                <a:cs typeface="Segoe UI Light" panose="020B0502040204020203" pitchFamily="34" charset="0"/>
+              </a:rPr>
+            </a:br>
+            <a:endParaRPr lang="en-US" sz="3600" dirty="0">
+              <a:solidFill>
+                <a:srgbClr val="000000"/>
+              </a:solidFill>
+              <a:latin typeface="Segoe UI Light" panose="020B0502040204020203" pitchFamily="34" charset="0"/>
+              <a:cs typeface="Segoe UI Light" panose="020B0502040204020203" pitchFamily="34" charset="0"/>
+            </a:endParaRPr>
+          </a:p>
+        </p:txBody>
+      </p:sp>
+      <p:sp>
+        <p:nvSpPr>
+          <p:cNvPr id="3" name="Content Placeholder 2">
+            <a:extLst>
+              <a:ext uri="{FF2B5EF4-FFF2-40B4-BE49-F238E27FC236}">
+                <a16:creationId xmlns:a16="http://schemas.microsoft.com/office/drawing/2014/main" id="{46A4886F-5FBC-4AD3-88E2-F2B408F19E0D}"/>
+              </a:ext>
+            </a:extLst>
+          </p:cNvPr>
+          <p:cNvSpPr>
+            <a:spLocks noGrp="1"/>
+          </p:cNvSpPr>
+          <p:nvPr>
+            <p:ph idx="1"/>
+          </p:nvPr>
+        </p:nvSpPr>
+        <p:spPr>
+          <a:xfrm>
+            <a:off x="475756" y="6836229"/>
+            <a:ext cx="4706803" cy="3788830"/>
+          </a:xfrm>
+        </p:spPr>
+        <p:txBody>
+          <a:bodyPr anchor="ctr">
+            <a:normAutofit/>
+          </a:bodyPr>
+          <a:lstStyle/>
+          <a:p>
+            <a:pPr marL="0" indent="0">
+              <a:buNone/>
+            </a:pPr>
+            <a:r>
+              <a:rPr lang="en-US" dirty="0"/>
+              <a:t>Based from our observations we discussed about how we can improve the process of reserving a room in Asia Pacific College by identifying the user needs.</a:t>
+            </a:r>
+            <a:endParaRPr lang="en-PH" dirty="0"/>
+          </a:p>
+        </p:txBody>
+      </p:sp>
+      <p:pic>
+        <p:nvPicPr>
+          <p:cNvPr id="6" name="Picture 5">
+            <a:extLst>
+              <a:ext uri="{FF2B5EF4-FFF2-40B4-BE49-F238E27FC236}">
+                <a16:creationId xmlns:a16="http://schemas.microsoft.com/office/drawing/2014/main" id="{CEA30B41-2163-45D5-8E8B-CB9D12BF1A5C}"/>
+              </a:ext>
+            </a:extLst>
+          </p:cNvPr>
+          <p:cNvPicPr>
+            <a:picLocks noChangeAspect="1"/>
+          </p:cNvPicPr>
+          <p:nvPr/>
+        </p:nvPicPr>
+        <p:blipFill rotWithShape="1">
+          <a:blip r:embed="rId2">
+            <a:alphaModFix amt="35000"/>
+            <a:extLst>
+              <a:ext uri="{28A0092B-C50C-407E-A947-70E740481C1C}">
+                <a14:useLocalDpi xmlns:a14="http://schemas.microsoft.com/office/drawing/2010/main" val="0"/>
+              </a:ext>
+            </a:extLst>
+          </a:blip>
+          <a:srcRect t="12993" b="12994"/>
+          <a:stretch/>
+        </p:blipFill>
+        <p:spPr>
+          <a:xfrm>
+            <a:off x="-12191980" y="10"/>
+            <a:ext cx="12191980" cy="6857990"/>
+          </a:xfrm>
+          <a:prstGeom prst="rect">
+            <a:avLst/>
+          </a:prstGeom>
+        </p:spPr>
+      </p:pic>
+    </p:spTree>
+    <p:extLst>
+      <p:ext uri="{BB962C8B-B14F-4D97-AF65-F5344CB8AC3E}">
+        <p14:creationId xmlns:p14="http://schemas.microsoft.com/office/powerpoint/2010/main" val="4150902218"/>
+      </p:ext>
+    </p:extLst>
+  </p:cSld>
+  <p:clrMapOvr>
+    <a:masterClrMapping/>
+  </p:clrMapOvr>
+  <mc:AlternateContent xmlns:mc="http://schemas.openxmlformats.org/markup-compatibility/2006" xmlns:p159="http://schemas.microsoft.com/office/powerpoint/2015/09/main">
+    <mc:Choice Requires="p159">
+      <p:transition xmlns:p14="http://schemas.microsoft.com/office/powerpoint/2010/main" spd="slow" p14:dur="2000">
+        <p159:morph option="byObject"/>
+      </p:transition>
+    </mc:Choice>
+    <mc:Fallback xmlns="">
+      <p:transition spd="slow">
+        <p:fade/>
+      </p:transition>
+    </mc:Fallback>
+  </mc:AlternateContent>
+  <p:timing>
+    <p:tnLst>
+      <p:par>
+        <p:cTn id="1" dur="indefinite" restart="never" nodeType="tmRoot">
+          <p:childTnLst>
+            <p:seq concurrent="1" nextAc="seek">
+              <p:cTn id="2" dur="indefinite" nodeType="mainSeq">
+                <p:childTnLst>
+                  <p:par>
+                    <p:cTn id="3" fill="hold">
+                      <p:stCondLst>
+                        <p:cond delay="indefinite"/>
+                      </p:stCondLst>
+                      <p:childTnLst>
+                        <p:par>
+                          <p:cTn id="4" fill="hold">
+                            <p:stCondLst>
+                              <p:cond delay="0"/>
+                            </p:stCondLst>
+                            <p:childTnLst>
+                              <p:par>
+                                <p:cTn id="5" presetID="42" presetClass="path" presetSubtype="0" accel="50000" decel="50000" fill="hold" grpId="0" nodeType="clickEffect">
+                                  <p:stCondLst>
+                                    <p:cond delay="0"/>
+                                  </p:stCondLst>
+                                  <p:childTnLst>
+                                    <p:animMotion origin="layout" path="M 3.54167E-6 -2.96296E-6 L -0.00131 -0.59004 " pathEditMode="relative" rAng="0" ptsTypes="AA">
+                                      <p:cBhvr>
+                                        <p:cTn id="6" dur="2000" fill="hold"/>
+                                        <p:tgtEl>
+                                          <p:spTgt spid="3">
+                                            <p:txEl>
+                                              <p:pRg st="0" end="0"/>
+                                            </p:txEl>
+                                          </p:spTgt>
+                                        </p:tgtEl>
+                                        <p:attrNameLst>
+                                          <p:attrName>ppt_x</p:attrName>
+                                          <p:attrName>ppt_y</p:attrName>
+                                        </p:attrNameLst>
+                                      </p:cBhvr>
+                                      <p:rCtr x="-65" y="-29514"/>
+                                    </p:animMotion>
+                                  </p:childTnLst>
+                                </p:cTn>
+                              </p:par>
+                            </p:childTnLst>
+                          </p:cTn>
+                        </p:par>
+                      </p:childTnLst>
+                    </p:cTn>
+                  </p:par>
+                </p:childTnLst>
+              </p:cTn>
+              <p:prevCondLst>
+                <p:cond evt="onPrev" delay="0">
+                  <p:tgtEl>
+                    <p:sldTgt/>
+                  </p:tgtEl>
+                </p:cond>
+              </p:prevCondLst>
+              <p:nextCondLst>
+                <p:cond evt="onNext" delay="0">
+                  <p:tgtEl>
+                    <p:sldTgt/>
+                  </p:tgtEl>
+                </p:cond>
+              </p:nextCondLst>
+            </p:seq>
+          </p:childTnLst>
+        </p:cTn>
+      </p:par>
+    </p:tnLst>
+    <p:bldLst>
+      <p:bldP spid="3" grpId="0" build="p"/>
+    </p:bldLst>
+  </p:timing>
+</p:sld>
+</file>
+
+<file path=ppt/slides/slide5.xml><?xml version="1.0" encoding="utf-8"?>
+<p:sld xmlns:a="http://schemas.openxmlformats.org/drawingml/2006/main" xmlns:r="http://schemas.openxmlformats.org/officeDocument/2006/relationships" xmlns:p="http://schemas.openxmlformats.org/presentationml/2006/main">
+  <p:cSld>
+    <p:bg>
+      <p:bgPr>
+        <a:solidFill>
+          <a:schemeClr val="bg1"/>
+        </a:solidFill>
+        <a:effectLst/>
+      </p:bgPr>
+    </p:bg>
+    <p:spTree>
+      <p:nvGrpSpPr>
+        <p:cNvPr id="1" name=""/>
+        <p:cNvGrpSpPr/>
+        <p:nvPr/>
+      </p:nvGrpSpPr>
+      <p:grpSpPr>
+        <a:xfrm>
+          <a:off x="0" y="0"/>
+          <a:ext cx="0" cy="0"/>
+          <a:chOff x="0" y="0"/>
+          <a:chExt cx="0" cy="0"/>
+        </a:xfrm>
+      </p:grpSpPr>
       <p:sp>
         <p:nvSpPr>
           <p:cNvPr id="9" name="Rectangle 8">
@@ -5420,13 +6836,13 @@
   <p:clrMapOvr>
     <a:overrideClrMapping bg1="dk1" tx1="lt1" bg2="dk2" tx2="lt2" accent1="accent1" accent2="accent2" accent3="accent3" accent4="accent4" accent5="accent5" accent6="accent6" hlink="hlink" folHlink="folHlink"/>
   </p:clrMapOvr>
-  <mc:AlternateContent xmlns:mc="http://schemas.openxmlformats.org/markup-compatibility/2006">
-    <mc:Choice xmlns:p159="http://schemas.microsoft.com/office/powerpoint/2015/09/main" Requires="p159">
+  <mc:AlternateContent xmlns:mc="http://schemas.openxmlformats.org/markup-compatibility/2006" xmlns:p159="http://schemas.microsoft.com/office/powerpoint/2015/09/main">
+    <mc:Choice Requires="p159">
       <p:transition xmlns:p14="http://schemas.microsoft.com/office/powerpoint/2010/main" spd="slow" p14:dur="2000">
         <p159:morph option="byObject"/>
       </p:transition>
     </mc:Choice>
-    <mc:Fallback>
+    <mc:Fallback xmlns="">
       <p:transition spd="slow">
         <p:fade/>
       </p:transition>
@@ -6155,7 +7571,7 @@
 </p:sld>
 </file>
 
-<file path=ppt/slides/slide5.xml><?xml version="1.0" encoding="utf-8"?>
+<file path=ppt/slides/slide6.xml><?xml version="1.0" encoding="utf-8"?>
 <p:sld xmlns:a="http://schemas.openxmlformats.org/drawingml/2006/main" xmlns:r="http://schemas.openxmlformats.org/officeDocument/2006/relationships" xmlns:p="http://schemas.openxmlformats.org/presentationml/2006/main">
   <p:cSld>
     <p:bg>
@@ -6450,6 +7866,2346 @@
                                       </p:cBhvr>
                                       <p:rCtr x="-23372" y="231"/>
                                     </p:animMotion>
+                                  </p:childTnLst>
+                                </p:cTn>
+                              </p:par>
+                            </p:childTnLst>
+                          </p:cTn>
+                        </p:par>
+                      </p:childTnLst>
+                    </p:cTn>
+                  </p:par>
+                </p:childTnLst>
+              </p:cTn>
+              <p:prevCondLst>
+                <p:cond evt="onPrev" delay="0">
+                  <p:tgtEl>
+                    <p:sldTgt/>
+                  </p:tgtEl>
+                </p:cond>
+              </p:prevCondLst>
+              <p:nextCondLst>
+                <p:cond evt="onNext" delay="0">
+                  <p:tgtEl>
+                    <p:sldTgt/>
+                  </p:tgtEl>
+                </p:cond>
+              </p:nextCondLst>
+            </p:seq>
+          </p:childTnLst>
+        </p:cTn>
+      </p:par>
+    </p:tnLst>
+  </p:timing>
+</p:sld>
+</file>
+
+<file path=ppt/slides/slide7.xml><?xml version="1.0" encoding="utf-8"?>
+<p:sld xmlns:a="http://schemas.openxmlformats.org/drawingml/2006/main" xmlns:r="http://schemas.openxmlformats.org/officeDocument/2006/relationships" xmlns:p="http://schemas.openxmlformats.org/presentationml/2006/main">
+  <p:cSld>
+    <p:bg>
+      <p:bgPr>
+        <a:solidFill>
+          <a:schemeClr val="bg1"/>
+        </a:solidFill>
+        <a:effectLst/>
+      </p:bgPr>
+    </p:bg>
+    <p:spTree>
+      <p:nvGrpSpPr>
+        <p:cNvPr id="1" name=""/>
+        <p:cNvGrpSpPr/>
+        <p:nvPr/>
+      </p:nvGrpSpPr>
+      <p:grpSpPr>
+        <a:xfrm>
+          <a:off x="0" y="0"/>
+          <a:ext cx="0" cy="0"/>
+          <a:chOff x="0" y="0"/>
+          <a:chExt cx="0" cy="0"/>
+        </a:xfrm>
+      </p:grpSpPr>
+      <p:sp>
+        <p:nvSpPr>
+          <p:cNvPr id="9" name="Rectangle 8">
+            <a:extLst>
+              <a:ext uri="{FF2B5EF4-FFF2-40B4-BE49-F238E27FC236}">
+                <a16:creationId xmlns:a16="http://schemas.microsoft.com/office/drawing/2014/main" id="{9228552E-C8B1-4A80-8448-0787CE0FC704}"/>
+              </a:ext>
+              <a:ext uri="{C183D7F6-B498-43B3-948B-1728B52AA6E4}">
+                <adec:decorative xmlns:adec="http://schemas.microsoft.com/office/drawing/2017/decorative" val="1"/>
+              </a:ext>
+            </a:extLst>
+          </p:cNvPr>
+          <p:cNvSpPr>
+            <a:spLocks noGrp="1" noRot="1" noChangeAspect="1" noMove="1" noResize="1" noEditPoints="1" noAdjustHandles="1" noChangeArrowheads="1" noChangeShapeType="1" noTextEdit="1"/>
+          </p:cNvSpPr>
+          <p:nvPr>
+            <p:extLst>
+              <p:ext uri="{386F3935-93C4-4BCD-93E2-E3B085C9AB24}">
+                <p16:designElem xmlns:p16="http://schemas.microsoft.com/office/powerpoint/2015/main" val="1"/>
+              </p:ext>
+            </p:extLst>
+          </p:nvPr>
+        </p:nvSpPr>
+        <p:spPr>
+          <a:xfrm>
+            <a:off x="0" y="0"/>
+            <a:ext cx="12192000" cy="6858000"/>
+          </a:xfrm>
+          <a:prstGeom prst="rect">
+            <a:avLst/>
+          </a:prstGeom>
+          <a:solidFill>
+            <a:srgbClr val="000000"/>
+          </a:solidFill>
+          <a:ln>
+            <a:noFill/>
+          </a:ln>
+        </p:spPr>
+        <p:style>
+          <a:lnRef idx="2">
+            <a:schemeClr val="accent1">
+              <a:shade val="50000"/>
+            </a:schemeClr>
+          </a:lnRef>
+          <a:fillRef idx="1">
+            <a:schemeClr val="accent1"/>
+          </a:fillRef>
+          <a:effectRef idx="0">
+            <a:schemeClr val="accent1"/>
+          </a:effectRef>
+          <a:fontRef idx="minor">
+            <a:schemeClr val="lt1"/>
+          </a:fontRef>
+        </p:style>
+        <p:txBody>
+          <a:bodyPr rtlCol="0" anchor="ctr"/>
+          <a:lstStyle/>
+          <a:p>
+            <a:pPr algn="ctr"/>
+            <a:endParaRPr lang="en-US"/>
+          </a:p>
+        </p:txBody>
+      </p:sp>
+      <p:pic>
+        <p:nvPicPr>
+          <p:cNvPr id="4" name="Picture 3">
+            <a:extLst>
+              <a:ext uri="{FF2B5EF4-FFF2-40B4-BE49-F238E27FC236}">
+                <a16:creationId xmlns:a16="http://schemas.microsoft.com/office/drawing/2014/main" id="{7DF58695-A159-45DB-B837-3C5032930BBE}"/>
+              </a:ext>
+            </a:extLst>
+          </p:cNvPr>
+          <p:cNvPicPr>
+            <a:picLocks noChangeAspect="1"/>
+          </p:cNvPicPr>
+          <p:nvPr/>
+        </p:nvPicPr>
+        <p:blipFill rotWithShape="1">
+          <a:blip r:embed="rId2">
+            <a:alphaModFix amt="35000"/>
+            <a:extLst>
+              <a:ext uri="{28A0092B-C50C-407E-A947-70E740481C1C}">
+                <a14:useLocalDpi xmlns:a14="http://schemas.microsoft.com/office/drawing/2010/main" val="0"/>
+              </a:ext>
+            </a:extLst>
+          </a:blip>
+          <a:srcRect t="12993" b="12994"/>
+          <a:stretch/>
+        </p:blipFill>
+        <p:spPr>
+          <a:xfrm>
+            <a:off x="20" y="10"/>
+            <a:ext cx="12191980" cy="6857990"/>
+          </a:xfrm>
+          <a:prstGeom prst="rect">
+            <a:avLst/>
+          </a:prstGeom>
+        </p:spPr>
+      </p:pic>
+      <p:sp>
+        <p:nvSpPr>
+          <p:cNvPr id="2" name="Title 1">
+            <a:extLst>
+              <a:ext uri="{FF2B5EF4-FFF2-40B4-BE49-F238E27FC236}">
+                <a16:creationId xmlns:a16="http://schemas.microsoft.com/office/drawing/2014/main" id="{0F7CD080-8835-4584-93D2-027D87576ECC}"/>
+              </a:ext>
+            </a:extLst>
+          </p:cNvPr>
+          <p:cNvSpPr>
+            <a:spLocks noGrp="1"/>
+          </p:cNvSpPr>
+          <p:nvPr>
+            <p:ph type="title"/>
+          </p:nvPr>
+        </p:nvSpPr>
+        <p:spPr>
+          <a:xfrm>
+            <a:off x="838200" y="365125"/>
+            <a:ext cx="10515600" cy="1325563"/>
+          </a:xfrm>
+        </p:spPr>
+        <p:txBody>
+          <a:bodyPr>
+            <a:normAutofit/>
+          </a:bodyPr>
+          <a:lstStyle/>
+          <a:p>
+            <a:r>
+              <a:rPr lang="en-US" dirty="0">
+                <a:solidFill>
+                  <a:srgbClr val="FFFFFF"/>
+                </a:solidFill>
+                <a:latin typeface="Segoe UI Light" panose="020B0502040204020203" pitchFamily="34" charset="0"/>
+                <a:cs typeface="Segoe UI Light" panose="020B0502040204020203" pitchFamily="34" charset="0"/>
+              </a:rPr>
+              <a:t>Identified Needs</a:t>
+            </a:r>
+          </a:p>
+        </p:txBody>
+      </p:sp>
+      <p:sp>
+        <p:nvSpPr>
+          <p:cNvPr id="3" name="Content Placeholder 2">
+            <a:extLst>
+              <a:ext uri="{FF2B5EF4-FFF2-40B4-BE49-F238E27FC236}">
+                <a16:creationId xmlns:a16="http://schemas.microsoft.com/office/drawing/2014/main" id="{5740C6C8-54CC-4C70-86C7-F8D87A6678B1}"/>
+              </a:ext>
+            </a:extLst>
+          </p:cNvPr>
+          <p:cNvSpPr>
+            <a:spLocks noGrp="1"/>
+          </p:cNvSpPr>
+          <p:nvPr>
+            <p:ph idx="1"/>
+          </p:nvPr>
+        </p:nvSpPr>
+        <p:spPr>
+          <a:xfrm>
+            <a:off x="838200" y="1825625"/>
+            <a:ext cx="10515600" cy="4351338"/>
+          </a:xfrm>
+        </p:spPr>
+        <p:txBody>
+          <a:bodyPr>
+            <a:normAutofit fontScale="92500" lnSpcReduction="10000"/>
+          </a:bodyPr>
+          <a:lstStyle/>
+          <a:p>
+            <a:pPr lvl="0"/>
+            <a:r>
+              <a:rPr lang="en-US" dirty="0">
+                <a:solidFill>
+                  <a:srgbClr val="E1A01D"/>
+                </a:solidFill>
+              </a:rPr>
+              <a:t>Students need a way to make the reservation form signed or approved by the adviser even when the adviser is not around the campus.</a:t>
+            </a:r>
+            <a:endParaRPr lang="en-PH" dirty="0">
+              <a:solidFill>
+                <a:srgbClr val="E1A01D"/>
+              </a:solidFill>
+            </a:endParaRPr>
+          </a:p>
+          <a:p>
+            <a:pPr lvl="0"/>
+            <a:r>
+              <a:rPr lang="en-US" dirty="0">
+                <a:solidFill>
+                  <a:srgbClr val="E1A01D"/>
+                </a:solidFill>
+              </a:rPr>
+              <a:t>Students reserving a room needs another way of reserving a room aside from communicating with the receptionist personally.</a:t>
+            </a:r>
+            <a:endParaRPr lang="en-PH" dirty="0">
+              <a:solidFill>
+                <a:srgbClr val="E1A01D"/>
+              </a:solidFill>
+            </a:endParaRPr>
+          </a:p>
+          <a:p>
+            <a:pPr lvl="0"/>
+            <a:r>
+              <a:rPr lang="en-US" dirty="0">
+                <a:solidFill>
+                  <a:srgbClr val="E1A01D"/>
+                </a:solidFill>
+              </a:rPr>
+              <a:t>Students should be properly informed of the available and occupied schedule of the rooms.</a:t>
+            </a:r>
+            <a:endParaRPr lang="en-PH" dirty="0">
+              <a:solidFill>
+                <a:srgbClr val="E1A01D"/>
+              </a:solidFill>
+            </a:endParaRPr>
+          </a:p>
+          <a:p>
+            <a:pPr lvl="0"/>
+            <a:r>
+              <a:rPr lang="en-US" dirty="0">
+                <a:solidFill>
+                  <a:srgbClr val="E1A01D"/>
+                </a:solidFill>
+              </a:rPr>
+              <a:t>Accuracy of room schedules because I noticed that there is an overlap between schedules that is why there is a class on a reserved room by the student.</a:t>
+            </a:r>
+            <a:endParaRPr lang="en-PH" dirty="0">
+              <a:solidFill>
+                <a:srgbClr val="E1A01D"/>
+              </a:solidFill>
+            </a:endParaRPr>
+          </a:p>
+          <a:p>
+            <a:pPr lvl="0"/>
+            <a:r>
+              <a:rPr lang="en-US" dirty="0">
+                <a:solidFill>
+                  <a:srgbClr val="E1A01D"/>
+                </a:solidFill>
+              </a:rPr>
+              <a:t>Students need an efficient way of having an approval from their adviser.</a:t>
+            </a:r>
+            <a:endParaRPr lang="en-PH" dirty="0">
+              <a:solidFill>
+                <a:srgbClr val="E1A01D"/>
+              </a:solidFill>
+            </a:endParaRPr>
+          </a:p>
+          <a:p>
+            <a:pPr lvl="0"/>
+            <a:r>
+              <a:rPr lang="en-US" dirty="0">
+                <a:solidFill>
+                  <a:srgbClr val="E1A01D"/>
+                </a:solidFill>
+              </a:rPr>
+              <a:t>Faculties need a time efficient way of making a reservation of rooms.</a:t>
+            </a:r>
+            <a:endParaRPr lang="en-PH" dirty="0">
+              <a:solidFill>
+                <a:srgbClr val="E1A01D"/>
+              </a:solidFill>
+            </a:endParaRPr>
+          </a:p>
+        </p:txBody>
+      </p:sp>
+      <p:pic>
+        <p:nvPicPr>
+          <p:cNvPr id="6" name="Picture 5">
+            <a:extLst>
+              <a:ext uri="{FF2B5EF4-FFF2-40B4-BE49-F238E27FC236}">
+                <a16:creationId xmlns:a16="http://schemas.microsoft.com/office/drawing/2014/main" id="{D7E769D1-06FB-480C-99B7-2339091A0398}"/>
+              </a:ext>
+            </a:extLst>
+          </p:cNvPr>
+          <p:cNvPicPr>
+            <a:picLocks noChangeAspect="1"/>
+          </p:cNvPicPr>
+          <p:nvPr/>
+        </p:nvPicPr>
+        <p:blipFill rotWithShape="1">
+          <a:blip r:embed="rId2">
+            <a:alphaModFix amt="35000"/>
+            <a:extLst>
+              <a:ext uri="{28A0092B-C50C-407E-A947-70E740481C1C}">
+                <a14:useLocalDpi xmlns:a14="http://schemas.microsoft.com/office/drawing/2010/main" val="0"/>
+              </a:ext>
+            </a:extLst>
+          </a:blip>
+          <a:srcRect t="12993" b="12994"/>
+          <a:stretch/>
+        </p:blipFill>
+        <p:spPr>
+          <a:xfrm>
+            <a:off x="-12191980" y="0"/>
+            <a:ext cx="12191980" cy="6857990"/>
+          </a:xfrm>
+          <a:prstGeom prst="rect">
+            <a:avLst/>
+          </a:prstGeom>
+        </p:spPr>
+      </p:pic>
+    </p:spTree>
+    <p:extLst>
+      <p:ext uri="{BB962C8B-B14F-4D97-AF65-F5344CB8AC3E}">
+        <p14:creationId xmlns:p14="http://schemas.microsoft.com/office/powerpoint/2010/main" val="3610715705"/>
+      </p:ext>
+    </p:extLst>
+  </p:cSld>
+  <p:clrMapOvr>
+    <a:overrideClrMapping bg1="dk1" tx1="lt1" bg2="dk2" tx2="lt2" accent1="accent1" accent2="accent2" accent3="accent3" accent4="accent4" accent5="accent5" accent6="accent6" hlink="hlink" folHlink="folHlink"/>
+  </p:clrMapOvr>
+  <mc:AlternateContent xmlns:mc="http://schemas.openxmlformats.org/markup-compatibility/2006" xmlns:p159="http://schemas.microsoft.com/office/powerpoint/2015/09/main">
+    <mc:Choice Requires="p159">
+      <p:transition xmlns:p14="http://schemas.microsoft.com/office/powerpoint/2010/main" spd="slow" p14:dur="2000">
+        <p159:morph option="byObject"/>
+      </p:transition>
+    </mc:Choice>
+    <mc:Fallback xmlns="">
+      <p:transition spd="slow">
+        <p:fade/>
+      </p:transition>
+    </mc:Fallback>
+  </mc:AlternateContent>
+  <p:timing>
+    <p:tnLst>
+      <p:par>
+        <p:cTn id="1" dur="indefinite" restart="never" nodeType="tmRoot">
+          <p:childTnLst>
+            <p:seq concurrent="1" nextAc="seek">
+              <p:cTn id="2" dur="indefinite" nodeType="mainSeq">
+                <p:childTnLst>
+                  <p:par>
+                    <p:cTn id="3" fill="hold">
+                      <p:stCondLst>
+                        <p:cond delay="indefinite"/>
+                      </p:stCondLst>
+                      <p:childTnLst>
+                        <p:par>
+                          <p:cTn id="4" fill="hold">
+                            <p:stCondLst>
+                              <p:cond delay="0"/>
+                            </p:stCondLst>
+                            <p:childTnLst>
+                              <p:par>
+                                <p:cTn id="5" presetID="42" presetClass="entr" presetSubtype="0" fill="hold" nodeType="clickEffect">
+                                  <p:stCondLst>
+                                    <p:cond delay="0"/>
+                                  </p:stCondLst>
+                                  <p:childTnLst>
+                                    <p:set>
+                                      <p:cBhvr>
+                                        <p:cTn id="6" dur="1" fill="hold">
+                                          <p:stCondLst>
+                                            <p:cond delay="0"/>
+                                          </p:stCondLst>
+                                        </p:cTn>
+                                        <p:tgtEl>
+                                          <p:spTgt spid="3">
+                                            <p:txEl>
+                                              <p:pRg st="0" end="0"/>
+                                            </p:txEl>
+                                          </p:spTgt>
+                                        </p:tgtEl>
+                                        <p:attrNameLst>
+                                          <p:attrName>style.visibility</p:attrName>
+                                        </p:attrNameLst>
+                                      </p:cBhvr>
+                                      <p:to>
+                                        <p:strVal val="visible"/>
+                                      </p:to>
+                                    </p:set>
+                                    <p:animEffect transition="in" filter="fade">
+                                      <p:cBhvr>
+                                        <p:cTn id="7" dur="1000"/>
+                                        <p:tgtEl>
+                                          <p:spTgt spid="3">
+                                            <p:txEl>
+                                              <p:pRg st="0" end="0"/>
+                                            </p:txEl>
+                                          </p:spTgt>
+                                        </p:tgtEl>
+                                      </p:cBhvr>
+                                    </p:animEffect>
+                                    <p:anim calcmode="lin" valueType="num">
+                                      <p:cBhvr>
+                                        <p:cTn id="8" dur="1000" fill="hold"/>
+                                        <p:tgtEl>
+                                          <p:spTgt spid="3">
+                                            <p:txEl>
+                                              <p:pRg st="0" end="0"/>
+                                            </p:txEl>
+                                          </p:spTgt>
+                                        </p:tgtEl>
+                                        <p:attrNameLst>
+                                          <p:attrName>ppt_x</p:attrName>
+                                        </p:attrNameLst>
+                                      </p:cBhvr>
+                                      <p:tavLst>
+                                        <p:tav tm="0">
+                                          <p:val>
+                                            <p:strVal val="#ppt_x"/>
+                                          </p:val>
+                                        </p:tav>
+                                        <p:tav tm="100000">
+                                          <p:val>
+                                            <p:strVal val="#ppt_x"/>
+                                          </p:val>
+                                        </p:tav>
+                                      </p:tavLst>
+                                    </p:anim>
+                                    <p:anim calcmode="lin" valueType="num">
+                                      <p:cBhvr>
+                                        <p:cTn id="9" dur="1000" fill="hold"/>
+                                        <p:tgtEl>
+                                          <p:spTgt spid="3">
+                                            <p:txEl>
+                                              <p:pRg st="0" end="0"/>
+                                            </p:txEl>
+                                          </p:spTgt>
+                                        </p:tgtEl>
+                                        <p:attrNameLst>
+                                          <p:attrName>ppt_y</p:attrName>
+                                        </p:attrNameLst>
+                                      </p:cBhvr>
+                                      <p:tavLst>
+                                        <p:tav tm="0">
+                                          <p:val>
+                                            <p:strVal val="#ppt_y+.1"/>
+                                          </p:val>
+                                        </p:tav>
+                                        <p:tav tm="100000">
+                                          <p:val>
+                                            <p:strVal val="#ppt_y"/>
+                                          </p:val>
+                                        </p:tav>
+                                      </p:tavLst>
+                                    </p:anim>
+                                  </p:childTnLst>
+                                </p:cTn>
+                              </p:par>
+                            </p:childTnLst>
+                          </p:cTn>
+                        </p:par>
+                      </p:childTnLst>
+                    </p:cTn>
+                  </p:par>
+                  <p:par>
+                    <p:cTn id="10" fill="hold">
+                      <p:stCondLst>
+                        <p:cond delay="indefinite"/>
+                      </p:stCondLst>
+                      <p:childTnLst>
+                        <p:par>
+                          <p:cTn id="11" fill="hold">
+                            <p:stCondLst>
+                              <p:cond delay="0"/>
+                            </p:stCondLst>
+                            <p:childTnLst>
+                              <p:par>
+                                <p:cTn id="12" presetID="42" presetClass="entr" presetSubtype="0" fill="hold" nodeType="clickEffect">
+                                  <p:stCondLst>
+                                    <p:cond delay="0"/>
+                                  </p:stCondLst>
+                                  <p:childTnLst>
+                                    <p:set>
+                                      <p:cBhvr>
+                                        <p:cTn id="13" dur="1" fill="hold">
+                                          <p:stCondLst>
+                                            <p:cond delay="0"/>
+                                          </p:stCondLst>
+                                        </p:cTn>
+                                        <p:tgtEl>
+                                          <p:spTgt spid="3">
+                                            <p:txEl>
+                                              <p:pRg st="1" end="1"/>
+                                            </p:txEl>
+                                          </p:spTgt>
+                                        </p:tgtEl>
+                                        <p:attrNameLst>
+                                          <p:attrName>style.visibility</p:attrName>
+                                        </p:attrNameLst>
+                                      </p:cBhvr>
+                                      <p:to>
+                                        <p:strVal val="visible"/>
+                                      </p:to>
+                                    </p:set>
+                                    <p:animEffect transition="in" filter="fade">
+                                      <p:cBhvr>
+                                        <p:cTn id="14" dur="1000"/>
+                                        <p:tgtEl>
+                                          <p:spTgt spid="3">
+                                            <p:txEl>
+                                              <p:pRg st="1" end="1"/>
+                                            </p:txEl>
+                                          </p:spTgt>
+                                        </p:tgtEl>
+                                      </p:cBhvr>
+                                    </p:animEffect>
+                                    <p:anim calcmode="lin" valueType="num">
+                                      <p:cBhvr>
+                                        <p:cTn id="15" dur="1000" fill="hold"/>
+                                        <p:tgtEl>
+                                          <p:spTgt spid="3">
+                                            <p:txEl>
+                                              <p:pRg st="1" end="1"/>
+                                            </p:txEl>
+                                          </p:spTgt>
+                                        </p:tgtEl>
+                                        <p:attrNameLst>
+                                          <p:attrName>ppt_x</p:attrName>
+                                        </p:attrNameLst>
+                                      </p:cBhvr>
+                                      <p:tavLst>
+                                        <p:tav tm="0">
+                                          <p:val>
+                                            <p:strVal val="#ppt_x"/>
+                                          </p:val>
+                                        </p:tav>
+                                        <p:tav tm="100000">
+                                          <p:val>
+                                            <p:strVal val="#ppt_x"/>
+                                          </p:val>
+                                        </p:tav>
+                                      </p:tavLst>
+                                    </p:anim>
+                                    <p:anim calcmode="lin" valueType="num">
+                                      <p:cBhvr>
+                                        <p:cTn id="16" dur="1000" fill="hold"/>
+                                        <p:tgtEl>
+                                          <p:spTgt spid="3">
+                                            <p:txEl>
+                                              <p:pRg st="1" end="1"/>
+                                            </p:txEl>
+                                          </p:spTgt>
+                                        </p:tgtEl>
+                                        <p:attrNameLst>
+                                          <p:attrName>ppt_y</p:attrName>
+                                        </p:attrNameLst>
+                                      </p:cBhvr>
+                                      <p:tavLst>
+                                        <p:tav tm="0">
+                                          <p:val>
+                                            <p:strVal val="#ppt_y+.1"/>
+                                          </p:val>
+                                        </p:tav>
+                                        <p:tav tm="100000">
+                                          <p:val>
+                                            <p:strVal val="#ppt_y"/>
+                                          </p:val>
+                                        </p:tav>
+                                      </p:tavLst>
+                                    </p:anim>
+                                  </p:childTnLst>
+                                </p:cTn>
+                              </p:par>
+                            </p:childTnLst>
+                          </p:cTn>
+                        </p:par>
+                      </p:childTnLst>
+                    </p:cTn>
+                  </p:par>
+                  <p:par>
+                    <p:cTn id="17" fill="hold">
+                      <p:stCondLst>
+                        <p:cond delay="indefinite"/>
+                      </p:stCondLst>
+                      <p:childTnLst>
+                        <p:par>
+                          <p:cTn id="18" fill="hold">
+                            <p:stCondLst>
+                              <p:cond delay="0"/>
+                            </p:stCondLst>
+                            <p:childTnLst>
+                              <p:par>
+                                <p:cTn id="19" presetID="42" presetClass="entr" presetSubtype="0" fill="hold" nodeType="clickEffect">
+                                  <p:stCondLst>
+                                    <p:cond delay="0"/>
+                                  </p:stCondLst>
+                                  <p:childTnLst>
+                                    <p:set>
+                                      <p:cBhvr>
+                                        <p:cTn id="20" dur="1" fill="hold">
+                                          <p:stCondLst>
+                                            <p:cond delay="0"/>
+                                          </p:stCondLst>
+                                        </p:cTn>
+                                        <p:tgtEl>
+                                          <p:spTgt spid="3">
+                                            <p:txEl>
+                                              <p:pRg st="2" end="2"/>
+                                            </p:txEl>
+                                          </p:spTgt>
+                                        </p:tgtEl>
+                                        <p:attrNameLst>
+                                          <p:attrName>style.visibility</p:attrName>
+                                        </p:attrNameLst>
+                                      </p:cBhvr>
+                                      <p:to>
+                                        <p:strVal val="visible"/>
+                                      </p:to>
+                                    </p:set>
+                                    <p:animEffect transition="in" filter="fade">
+                                      <p:cBhvr>
+                                        <p:cTn id="21" dur="1000"/>
+                                        <p:tgtEl>
+                                          <p:spTgt spid="3">
+                                            <p:txEl>
+                                              <p:pRg st="2" end="2"/>
+                                            </p:txEl>
+                                          </p:spTgt>
+                                        </p:tgtEl>
+                                      </p:cBhvr>
+                                    </p:animEffect>
+                                    <p:anim calcmode="lin" valueType="num">
+                                      <p:cBhvr>
+                                        <p:cTn id="22" dur="1000" fill="hold"/>
+                                        <p:tgtEl>
+                                          <p:spTgt spid="3">
+                                            <p:txEl>
+                                              <p:pRg st="2" end="2"/>
+                                            </p:txEl>
+                                          </p:spTgt>
+                                        </p:tgtEl>
+                                        <p:attrNameLst>
+                                          <p:attrName>ppt_x</p:attrName>
+                                        </p:attrNameLst>
+                                      </p:cBhvr>
+                                      <p:tavLst>
+                                        <p:tav tm="0">
+                                          <p:val>
+                                            <p:strVal val="#ppt_x"/>
+                                          </p:val>
+                                        </p:tav>
+                                        <p:tav tm="100000">
+                                          <p:val>
+                                            <p:strVal val="#ppt_x"/>
+                                          </p:val>
+                                        </p:tav>
+                                      </p:tavLst>
+                                    </p:anim>
+                                    <p:anim calcmode="lin" valueType="num">
+                                      <p:cBhvr>
+                                        <p:cTn id="23" dur="1000" fill="hold"/>
+                                        <p:tgtEl>
+                                          <p:spTgt spid="3">
+                                            <p:txEl>
+                                              <p:pRg st="2" end="2"/>
+                                            </p:txEl>
+                                          </p:spTgt>
+                                        </p:tgtEl>
+                                        <p:attrNameLst>
+                                          <p:attrName>ppt_y</p:attrName>
+                                        </p:attrNameLst>
+                                      </p:cBhvr>
+                                      <p:tavLst>
+                                        <p:tav tm="0">
+                                          <p:val>
+                                            <p:strVal val="#ppt_y+.1"/>
+                                          </p:val>
+                                        </p:tav>
+                                        <p:tav tm="100000">
+                                          <p:val>
+                                            <p:strVal val="#ppt_y"/>
+                                          </p:val>
+                                        </p:tav>
+                                      </p:tavLst>
+                                    </p:anim>
+                                  </p:childTnLst>
+                                </p:cTn>
+                              </p:par>
+                            </p:childTnLst>
+                          </p:cTn>
+                        </p:par>
+                      </p:childTnLst>
+                    </p:cTn>
+                  </p:par>
+                  <p:par>
+                    <p:cTn id="24" fill="hold">
+                      <p:stCondLst>
+                        <p:cond delay="indefinite"/>
+                      </p:stCondLst>
+                      <p:childTnLst>
+                        <p:par>
+                          <p:cTn id="25" fill="hold">
+                            <p:stCondLst>
+                              <p:cond delay="0"/>
+                            </p:stCondLst>
+                            <p:childTnLst>
+                              <p:par>
+                                <p:cTn id="26" presetID="42" presetClass="entr" presetSubtype="0" fill="hold" nodeType="clickEffect">
+                                  <p:stCondLst>
+                                    <p:cond delay="0"/>
+                                  </p:stCondLst>
+                                  <p:childTnLst>
+                                    <p:set>
+                                      <p:cBhvr>
+                                        <p:cTn id="27" dur="1" fill="hold">
+                                          <p:stCondLst>
+                                            <p:cond delay="0"/>
+                                          </p:stCondLst>
+                                        </p:cTn>
+                                        <p:tgtEl>
+                                          <p:spTgt spid="3">
+                                            <p:txEl>
+                                              <p:pRg st="3" end="3"/>
+                                            </p:txEl>
+                                          </p:spTgt>
+                                        </p:tgtEl>
+                                        <p:attrNameLst>
+                                          <p:attrName>style.visibility</p:attrName>
+                                        </p:attrNameLst>
+                                      </p:cBhvr>
+                                      <p:to>
+                                        <p:strVal val="visible"/>
+                                      </p:to>
+                                    </p:set>
+                                    <p:animEffect transition="in" filter="fade">
+                                      <p:cBhvr>
+                                        <p:cTn id="28" dur="1000"/>
+                                        <p:tgtEl>
+                                          <p:spTgt spid="3">
+                                            <p:txEl>
+                                              <p:pRg st="3" end="3"/>
+                                            </p:txEl>
+                                          </p:spTgt>
+                                        </p:tgtEl>
+                                      </p:cBhvr>
+                                    </p:animEffect>
+                                    <p:anim calcmode="lin" valueType="num">
+                                      <p:cBhvr>
+                                        <p:cTn id="29" dur="1000" fill="hold"/>
+                                        <p:tgtEl>
+                                          <p:spTgt spid="3">
+                                            <p:txEl>
+                                              <p:pRg st="3" end="3"/>
+                                            </p:txEl>
+                                          </p:spTgt>
+                                        </p:tgtEl>
+                                        <p:attrNameLst>
+                                          <p:attrName>ppt_x</p:attrName>
+                                        </p:attrNameLst>
+                                      </p:cBhvr>
+                                      <p:tavLst>
+                                        <p:tav tm="0">
+                                          <p:val>
+                                            <p:strVal val="#ppt_x"/>
+                                          </p:val>
+                                        </p:tav>
+                                        <p:tav tm="100000">
+                                          <p:val>
+                                            <p:strVal val="#ppt_x"/>
+                                          </p:val>
+                                        </p:tav>
+                                      </p:tavLst>
+                                    </p:anim>
+                                    <p:anim calcmode="lin" valueType="num">
+                                      <p:cBhvr>
+                                        <p:cTn id="30" dur="1000" fill="hold"/>
+                                        <p:tgtEl>
+                                          <p:spTgt spid="3">
+                                            <p:txEl>
+                                              <p:pRg st="3" end="3"/>
+                                            </p:txEl>
+                                          </p:spTgt>
+                                        </p:tgtEl>
+                                        <p:attrNameLst>
+                                          <p:attrName>ppt_y</p:attrName>
+                                        </p:attrNameLst>
+                                      </p:cBhvr>
+                                      <p:tavLst>
+                                        <p:tav tm="0">
+                                          <p:val>
+                                            <p:strVal val="#ppt_y+.1"/>
+                                          </p:val>
+                                        </p:tav>
+                                        <p:tav tm="100000">
+                                          <p:val>
+                                            <p:strVal val="#ppt_y"/>
+                                          </p:val>
+                                        </p:tav>
+                                      </p:tavLst>
+                                    </p:anim>
+                                  </p:childTnLst>
+                                </p:cTn>
+                              </p:par>
+                            </p:childTnLst>
+                          </p:cTn>
+                        </p:par>
+                      </p:childTnLst>
+                    </p:cTn>
+                  </p:par>
+                  <p:par>
+                    <p:cTn id="31" fill="hold">
+                      <p:stCondLst>
+                        <p:cond delay="indefinite"/>
+                      </p:stCondLst>
+                      <p:childTnLst>
+                        <p:par>
+                          <p:cTn id="32" fill="hold">
+                            <p:stCondLst>
+                              <p:cond delay="0"/>
+                            </p:stCondLst>
+                            <p:childTnLst>
+                              <p:par>
+                                <p:cTn id="33" presetID="42" presetClass="entr" presetSubtype="0" fill="hold" nodeType="clickEffect">
+                                  <p:stCondLst>
+                                    <p:cond delay="0"/>
+                                  </p:stCondLst>
+                                  <p:childTnLst>
+                                    <p:set>
+                                      <p:cBhvr>
+                                        <p:cTn id="34" dur="1" fill="hold">
+                                          <p:stCondLst>
+                                            <p:cond delay="0"/>
+                                          </p:stCondLst>
+                                        </p:cTn>
+                                        <p:tgtEl>
+                                          <p:spTgt spid="3">
+                                            <p:txEl>
+                                              <p:pRg st="4" end="4"/>
+                                            </p:txEl>
+                                          </p:spTgt>
+                                        </p:tgtEl>
+                                        <p:attrNameLst>
+                                          <p:attrName>style.visibility</p:attrName>
+                                        </p:attrNameLst>
+                                      </p:cBhvr>
+                                      <p:to>
+                                        <p:strVal val="visible"/>
+                                      </p:to>
+                                    </p:set>
+                                    <p:animEffect transition="in" filter="fade">
+                                      <p:cBhvr>
+                                        <p:cTn id="35" dur="1000"/>
+                                        <p:tgtEl>
+                                          <p:spTgt spid="3">
+                                            <p:txEl>
+                                              <p:pRg st="4" end="4"/>
+                                            </p:txEl>
+                                          </p:spTgt>
+                                        </p:tgtEl>
+                                      </p:cBhvr>
+                                    </p:animEffect>
+                                    <p:anim calcmode="lin" valueType="num">
+                                      <p:cBhvr>
+                                        <p:cTn id="36" dur="1000" fill="hold"/>
+                                        <p:tgtEl>
+                                          <p:spTgt spid="3">
+                                            <p:txEl>
+                                              <p:pRg st="4" end="4"/>
+                                            </p:txEl>
+                                          </p:spTgt>
+                                        </p:tgtEl>
+                                        <p:attrNameLst>
+                                          <p:attrName>ppt_x</p:attrName>
+                                        </p:attrNameLst>
+                                      </p:cBhvr>
+                                      <p:tavLst>
+                                        <p:tav tm="0">
+                                          <p:val>
+                                            <p:strVal val="#ppt_x"/>
+                                          </p:val>
+                                        </p:tav>
+                                        <p:tav tm="100000">
+                                          <p:val>
+                                            <p:strVal val="#ppt_x"/>
+                                          </p:val>
+                                        </p:tav>
+                                      </p:tavLst>
+                                    </p:anim>
+                                    <p:anim calcmode="lin" valueType="num">
+                                      <p:cBhvr>
+                                        <p:cTn id="37" dur="1000" fill="hold"/>
+                                        <p:tgtEl>
+                                          <p:spTgt spid="3">
+                                            <p:txEl>
+                                              <p:pRg st="4" end="4"/>
+                                            </p:txEl>
+                                          </p:spTgt>
+                                        </p:tgtEl>
+                                        <p:attrNameLst>
+                                          <p:attrName>ppt_y</p:attrName>
+                                        </p:attrNameLst>
+                                      </p:cBhvr>
+                                      <p:tavLst>
+                                        <p:tav tm="0">
+                                          <p:val>
+                                            <p:strVal val="#ppt_y+.1"/>
+                                          </p:val>
+                                        </p:tav>
+                                        <p:tav tm="100000">
+                                          <p:val>
+                                            <p:strVal val="#ppt_y"/>
+                                          </p:val>
+                                        </p:tav>
+                                      </p:tavLst>
+                                    </p:anim>
+                                  </p:childTnLst>
+                                </p:cTn>
+                              </p:par>
+                            </p:childTnLst>
+                          </p:cTn>
+                        </p:par>
+                      </p:childTnLst>
+                    </p:cTn>
+                  </p:par>
+                  <p:par>
+                    <p:cTn id="38" fill="hold">
+                      <p:stCondLst>
+                        <p:cond delay="indefinite"/>
+                      </p:stCondLst>
+                      <p:childTnLst>
+                        <p:par>
+                          <p:cTn id="39" fill="hold">
+                            <p:stCondLst>
+                              <p:cond delay="0"/>
+                            </p:stCondLst>
+                            <p:childTnLst>
+                              <p:par>
+                                <p:cTn id="40" presetID="42" presetClass="entr" presetSubtype="0" fill="hold" nodeType="clickEffect">
+                                  <p:stCondLst>
+                                    <p:cond delay="0"/>
+                                  </p:stCondLst>
+                                  <p:childTnLst>
+                                    <p:set>
+                                      <p:cBhvr>
+                                        <p:cTn id="41" dur="1" fill="hold">
+                                          <p:stCondLst>
+                                            <p:cond delay="0"/>
+                                          </p:stCondLst>
+                                        </p:cTn>
+                                        <p:tgtEl>
+                                          <p:spTgt spid="3">
+                                            <p:txEl>
+                                              <p:pRg st="5" end="5"/>
+                                            </p:txEl>
+                                          </p:spTgt>
+                                        </p:tgtEl>
+                                        <p:attrNameLst>
+                                          <p:attrName>style.visibility</p:attrName>
+                                        </p:attrNameLst>
+                                      </p:cBhvr>
+                                      <p:to>
+                                        <p:strVal val="visible"/>
+                                      </p:to>
+                                    </p:set>
+                                    <p:animEffect transition="in" filter="fade">
+                                      <p:cBhvr>
+                                        <p:cTn id="42" dur="1000"/>
+                                        <p:tgtEl>
+                                          <p:spTgt spid="3">
+                                            <p:txEl>
+                                              <p:pRg st="5" end="5"/>
+                                            </p:txEl>
+                                          </p:spTgt>
+                                        </p:tgtEl>
+                                      </p:cBhvr>
+                                    </p:animEffect>
+                                    <p:anim calcmode="lin" valueType="num">
+                                      <p:cBhvr>
+                                        <p:cTn id="43" dur="1000" fill="hold"/>
+                                        <p:tgtEl>
+                                          <p:spTgt spid="3">
+                                            <p:txEl>
+                                              <p:pRg st="5" end="5"/>
+                                            </p:txEl>
+                                          </p:spTgt>
+                                        </p:tgtEl>
+                                        <p:attrNameLst>
+                                          <p:attrName>ppt_x</p:attrName>
+                                        </p:attrNameLst>
+                                      </p:cBhvr>
+                                      <p:tavLst>
+                                        <p:tav tm="0">
+                                          <p:val>
+                                            <p:strVal val="#ppt_x"/>
+                                          </p:val>
+                                        </p:tav>
+                                        <p:tav tm="100000">
+                                          <p:val>
+                                            <p:strVal val="#ppt_x"/>
+                                          </p:val>
+                                        </p:tav>
+                                      </p:tavLst>
+                                    </p:anim>
+                                    <p:anim calcmode="lin" valueType="num">
+                                      <p:cBhvr>
+                                        <p:cTn id="44" dur="1000" fill="hold"/>
+                                        <p:tgtEl>
+                                          <p:spTgt spid="3">
+                                            <p:txEl>
+                                              <p:pRg st="5" end="5"/>
+                                            </p:txEl>
+                                          </p:spTgt>
+                                        </p:tgtEl>
+                                        <p:attrNameLst>
+                                          <p:attrName>ppt_y</p:attrName>
+                                        </p:attrNameLst>
+                                      </p:cBhvr>
+                                      <p:tavLst>
+                                        <p:tav tm="0">
+                                          <p:val>
+                                            <p:strVal val="#ppt_y+.1"/>
+                                          </p:val>
+                                        </p:tav>
+                                        <p:tav tm="100000">
+                                          <p:val>
+                                            <p:strVal val="#ppt_y"/>
+                                          </p:val>
+                                        </p:tav>
+                                      </p:tavLst>
+                                    </p:anim>
+                                  </p:childTnLst>
+                                </p:cTn>
+                              </p:par>
+                            </p:childTnLst>
+                          </p:cTn>
+                        </p:par>
+                      </p:childTnLst>
+                    </p:cTn>
+                  </p:par>
+                </p:childTnLst>
+              </p:cTn>
+              <p:prevCondLst>
+                <p:cond evt="onPrev" delay="0">
+                  <p:tgtEl>
+                    <p:sldTgt/>
+                  </p:tgtEl>
+                </p:cond>
+              </p:prevCondLst>
+              <p:nextCondLst>
+                <p:cond evt="onNext" delay="0">
+                  <p:tgtEl>
+                    <p:sldTgt/>
+                  </p:tgtEl>
+                </p:cond>
+              </p:nextCondLst>
+            </p:seq>
+          </p:childTnLst>
+        </p:cTn>
+      </p:par>
+    </p:tnLst>
+  </p:timing>
+</p:sld>
+</file>
+
+<file path=ppt/slides/slide8.xml><?xml version="1.0" encoding="utf-8"?>
+<p:sld xmlns:a="http://schemas.openxmlformats.org/drawingml/2006/main" xmlns:r="http://schemas.openxmlformats.org/officeDocument/2006/relationships" xmlns:p="http://schemas.openxmlformats.org/presentationml/2006/main">
+  <p:cSld>
+    <p:bg>
+      <p:bgPr>
+        <a:solidFill>
+          <a:schemeClr val="bg1"/>
+        </a:solidFill>
+        <a:effectLst/>
+      </p:bgPr>
+    </p:bg>
+    <p:spTree>
+      <p:nvGrpSpPr>
+        <p:cNvPr id="1" name=""/>
+        <p:cNvGrpSpPr/>
+        <p:nvPr/>
+      </p:nvGrpSpPr>
+      <p:grpSpPr>
+        <a:xfrm>
+          <a:off x="0" y="0"/>
+          <a:ext cx="0" cy="0"/>
+          <a:chOff x="0" y="0"/>
+          <a:chExt cx="0" cy="0"/>
+        </a:xfrm>
+      </p:grpSpPr>
+      <p:sp>
+        <p:nvSpPr>
+          <p:cNvPr id="9" name="Rectangle 8">
+            <a:extLst>
+              <a:ext uri="{FF2B5EF4-FFF2-40B4-BE49-F238E27FC236}">
+                <a16:creationId xmlns:a16="http://schemas.microsoft.com/office/drawing/2014/main" id="{9228552E-C8B1-4A80-8448-0787CE0FC704}"/>
+              </a:ext>
+              <a:ext uri="{C183D7F6-B498-43B3-948B-1728B52AA6E4}">
+                <adec:decorative xmlns:adec="http://schemas.microsoft.com/office/drawing/2017/decorative" val="1"/>
+              </a:ext>
+            </a:extLst>
+          </p:cNvPr>
+          <p:cNvSpPr>
+            <a:spLocks noGrp="1" noRot="1" noChangeAspect="1" noMove="1" noResize="1" noEditPoints="1" noAdjustHandles="1" noChangeArrowheads="1" noChangeShapeType="1" noTextEdit="1"/>
+          </p:cNvSpPr>
+          <p:nvPr>
+            <p:extLst>
+              <p:ext uri="{386F3935-93C4-4BCD-93E2-E3B085C9AB24}">
+                <p16:designElem xmlns:p16="http://schemas.microsoft.com/office/powerpoint/2015/main" val="1"/>
+              </p:ext>
+            </p:extLst>
+          </p:nvPr>
+        </p:nvSpPr>
+        <p:spPr>
+          <a:xfrm>
+            <a:off x="0" y="0"/>
+            <a:ext cx="12192000" cy="6858000"/>
+          </a:xfrm>
+          <a:prstGeom prst="rect">
+            <a:avLst/>
+          </a:prstGeom>
+          <a:solidFill>
+            <a:srgbClr val="000000"/>
+          </a:solidFill>
+          <a:ln>
+            <a:noFill/>
+          </a:ln>
+        </p:spPr>
+        <p:style>
+          <a:lnRef idx="2">
+            <a:schemeClr val="accent1">
+              <a:shade val="50000"/>
+            </a:schemeClr>
+          </a:lnRef>
+          <a:fillRef idx="1">
+            <a:schemeClr val="accent1"/>
+          </a:fillRef>
+          <a:effectRef idx="0">
+            <a:schemeClr val="accent1"/>
+          </a:effectRef>
+          <a:fontRef idx="minor">
+            <a:schemeClr val="lt1"/>
+          </a:fontRef>
+        </p:style>
+        <p:txBody>
+          <a:bodyPr rtlCol="0" anchor="ctr"/>
+          <a:lstStyle/>
+          <a:p>
+            <a:pPr algn="ctr"/>
+            <a:endParaRPr lang="en-US"/>
+          </a:p>
+        </p:txBody>
+      </p:sp>
+      <p:pic>
+        <p:nvPicPr>
+          <p:cNvPr id="4" name="Picture 3">
+            <a:extLst>
+              <a:ext uri="{FF2B5EF4-FFF2-40B4-BE49-F238E27FC236}">
+                <a16:creationId xmlns:a16="http://schemas.microsoft.com/office/drawing/2014/main" id="{7DF58695-A159-45DB-B837-3C5032930BBE}"/>
+              </a:ext>
+            </a:extLst>
+          </p:cNvPr>
+          <p:cNvPicPr>
+            <a:picLocks noChangeAspect="1"/>
+          </p:cNvPicPr>
+          <p:nvPr/>
+        </p:nvPicPr>
+        <p:blipFill rotWithShape="1">
+          <a:blip r:embed="rId2">
+            <a:alphaModFix amt="35000"/>
+            <a:extLst>
+              <a:ext uri="{28A0092B-C50C-407E-A947-70E740481C1C}">
+                <a14:useLocalDpi xmlns:a14="http://schemas.microsoft.com/office/drawing/2010/main" val="0"/>
+              </a:ext>
+            </a:extLst>
+          </a:blip>
+          <a:srcRect t="12993" b="12994"/>
+          <a:stretch/>
+        </p:blipFill>
+        <p:spPr>
+          <a:xfrm>
+            <a:off x="20" y="10"/>
+            <a:ext cx="12191980" cy="6857990"/>
+          </a:xfrm>
+          <a:prstGeom prst="rect">
+            <a:avLst/>
+          </a:prstGeom>
+        </p:spPr>
+      </p:pic>
+      <p:sp>
+        <p:nvSpPr>
+          <p:cNvPr id="2" name="Title 1">
+            <a:extLst>
+              <a:ext uri="{FF2B5EF4-FFF2-40B4-BE49-F238E27FC236}">
+                <a16:creationId xmlns:a16="http://schemas.microsoft.com/office/drawing/2014/main" id="{0F7CD080-8835-4584-93D2-027D87576ECC}"/>
+              </a:ext>
+            </a:extLst>
+          </p:cNvPr>
+          <p:cNvSpPr>
+            <a:spLocks noGrp="1"/>
+          </p:cNvSpPr>
+          <p:nvPr>
+            <p:ph type="title"/>
+          </p:nvPr>
+        </p:nvSpPr>
+        <p:spPr>
+          <a:xfrm>
+            <a:off x="838200" y="365125"/>
+            <a:ext cx="10515600" cy="1325563"/>
+          </a:xfrm>
+        </p:spPr>
+        <p:txBody>
+          <a:bodyPr>
+            <a:normAutofit/>
+          </a:bodyPr>
+          <a:lstStyle/>
+          <a:p>
+            <a:r>
+              <a:rPr lang="en-US" dirty="0">
+                <a:solidFill>
+                  <a:srgbClr val="FFFFFF"/>
+                </a:solidFill>
+                <a:latin typeface="Segoe UI Light" panose="020B0502040204020203" pitchFamily="34" charset="0"/>
+                <a:cs typeface="Segoe UI Light" panose="020B0502040204020203" pitchFamily="34" charset="0"/>
+              </a:rPr>
+              <a:t>Interviews</a:t>
+            </a:r>
+          </a:p>
+        </p:txBody>
+      </p:sp>
+      <p:sp>
+        <p:nvSpPr>
+          <p:cNvPr id="3" name="Content Placeholder 2">
+            <a:extLst>
+              <a:ext uri="{FF2B5EF4-FFF2-40B4-BE49-F238E27FC236}">
+                <a16:creationId xmlns:a16="http://schemas.microsoft.com/office/drawing/2014/main" id="{5740C6C8-54CC-4C70-86C7-F8D87A6678B1}"/>
+              </a:ext>
+            </a:extLst>
+          </p:cNvPr>
+          <p:cNvSpPr>
+            <a:spLocks noGrp="1"/>
+          </p:cNvSpPr>
+          <p:nvPr>
+            <p:ph idx="1"/>
+          </p:nvPr>
+        </p:nvSpPr>
+        <p:spPr>
+          <a:xfrm>
+            <a:off x="838200" y="1825625"/>
+            <a:ext cx="10515600" cy="4351338"/>
+          </a:xfrm>
+        </p:spPr>
+        <p:txBody>
+          <a:bodyPr>
+            <a:normAutofit/>
+          </a:bodyPr>
+          <a:lstStyle/>
+          <a:p>
+            <a:pPr marL="0" indent="0">
+              <a:buNone/>
+            </a:pPr>
+            <a:r>
+              <a:rPr lang="en-US" b="1" dirty="0">
+                <a:solidFill>
+                  <a:srgbClr val="92D050"/>
+                </a:solidFill>
+              </a:rPr>
+              <a:t>What are your struggles, hardships, or problems regarding room reservation in Asia Pacific College? </a:t>
+            </a:r>
+            <a:endParaRPr lang="en-PH" dirty="0">
+              <a:solidFill>
+                <a:srgbClr val="92D050"/>
+              </a:solidFill>
+            </a:endParaRPr>
+          </a:p>
+          <a:p>
+            <a:pPr marL="0" indent="0">
+              <a:buNone/>
+            </a:pPr>
+            <a:r>
+              <a:rPr lang="en-US" b="1" dirty="0"/>
+              <a:t>Interviewee # 1</a:t>
+            </a:r>
+            <a:endParaRPr lang="en-PH" dirty="0"/>
+          </a:p>
+          <a:p>
+            <a:pPr marL="0" lvl="0" indent="0">
+              <a:buNone/>
+            </a:pPr>
+            <a:r>
+              <a:rPr lang="en-US" dirty="0"/>
+              <a:t>No one will sign the reservation form when the adviser is not present.</a:t>
+            </a:r>
+            <a:endParaRPr lang="en-PH" dirty="0"/>
+          </a:p>
+          <a:p>
+            <a:pPr marL="0" lvl="0" indent="0">
+              <a:buNone/>
+            </a:pPr>
+            <a:r>
+              <a:rPr lang="en-US" dirty="0"/>
+              <a:t>It is frightening to make room reservation in the 4</a:t>
+            </a:r>
+            <a:r>
+              <a:rPr lang="en-US" baseline="30000" dirty="0"/>
+              <a:t>th</a:t>
+            </a:r>
+            <a:r>
+              <a:rPr lang="en-US" dirty="0"/>
+              <a:t> floor reception.</a:t>
+            </a:r>
+            <a:endParaRPr lang="en-PH" dirty="0"/>
+          </a:p>
+          <a:p>
+            <a:pPr marL="0" lvl="0" indent="0">
+              <a:buNone/>
+            </a:pPr>
+            <a:endParaRPr lang="en-PH" dirty="0">
+              <a:solidFill>
+                <a:srgbClr val="E1A01D"/>
+              </a:solidFill>
+            </a:endParaRPr>
+          </a:p>
+        </p:txBody>
+      </p:sp>
+      <p:pic>
+        <p:nvPicPr>
+          <p:cNvPr id="6" name="Picture 5">
+            <a:extLst>
+              <a:ext uri="{FF2B5EF4-FFF2-40B4-BE49-F238E27FC236}">
+                <a16:creationId xmlns:a16="http://schemas.microsoft.com/office/drawing/2014/main" id="{D7E769D1-06FB-480C-99B7-2339091A0398}"/>
+              </a:ext>
+            </a:extLst>
+          </p:cNvPr>
+          <p:cNvPicPr>
+            <a:picLocks noChangeAspect="1"/>
+          </p:cNvPicPr>
+          <p:nvPr/>
+        </p:nvPicPr>
+        <p:blipFill rotWithShape="1">
+          <a:blip r:embed="rId2">
+            <a:alphaModFix amt="35000"/>
+            <a:extLst>
+              <a:ext uri="{28A0092B-C50C-407E-A947-70E740481C1C}">
+                <a14:useLocalDpi xmlns:a14="http://schemas.microsoft.com/office/drawing/2010/main" val="0"/>
+              </a:ext>
+            </a:extLst>
+          </a:blip>
+          <a:srcRect t="12993" b="12994"/>
+          <a:stretch/>
+        </p:blipFill>
+        <p:spPr>
+          <a:xfrm>
+            <a:off x="-12191980" y="0"/>
+            <a:ext cx="12191980" cy="6857990"/>
+          </a:xfrm>
+          <a:prstGeom prst="rect">
+            <a:avLst/>
+          </a:prstGeom>
+        </p:spPr>
+      </p:pic>
+    </p:spTree>
+    <p:extLst>
+      <p:ext uri="{BB962C8B-B14F-4D97-AF65-F5344CB8AC3E}">
+        <p14:creationId xmlns:p14="http://schemas.microsoft.com/office/powerpoint/2010/main" val="967983397"/>
+      </p:ext>
+    </p:extLst>
+  </p:cSld>
+  <p:clrMapOvr>
+    <a:overrideClrMapping bg1="dk1" tx1="lt1" bg2="dk2" tx2="lt2" accent1="accent1" accent2="accent2" accent3="accent3" accent4="accent4" accent5="accent5" accent6="accent6" hlink="hlink" folHlink="folHlink"/>
+  </p:clrMapOvr>
+  <mc:AlternateContent xmlns:mc="http://schemas.openxmlformats.org/markup-compatibility/2006" xmlns:p159="http://schemas.microsoft.com/office/powerpoint/2015/09/main">
+    <mc:Choice Requires="p159">
+      <p:transition xmlns:p14="http://schemas.microsoft.com/office/powerpoint/2010/main" spd="slow" p14:dur="2000">
+        <p159:morph option="byObject"/>
+      </p:transition>
+    </mc:Choice>
+    <mc:Fallback xmlns="">
+      <p:transition spd="slow">
+        <p:fade/>
+      </p:transition>
+    </mc:Fallback>
+  </mc:AlternateContent>
+  <p:timing>
+    <p:tnLst>
+      <p:par>
+        <p:cTn id="1" dur="indefinite" restart="never" nodeType="tmRoot">
+          <p:childTnLst>
+            <p:seq concurrent="1" nextAc="seek">
+              <p:cTn id="2" dur="indefinite" nodeType="mainSeq">
+                <p:childTnLst>
+                  <p:par>
+                    <p:cTn id="3" fill="hold">
+                      <p:stCondLst>
+                        <p:cond delay="indefinite"/>
+                      </p:stCondLst>
+                      <p:childTnLst>
+                        <p:par>
+                          <p:cTn id="4" fill="hold">
+                            <p:stCondLst>
+                              <p:cond delay="0"/>
+                            </p:stCondLst>
+                            <p:childTnLst>
+                              <p:par>
+                                <p:cTn id="5" presetID="42" presetClass="entr" presetSubtype="0" fill="hold" nodeType="clickEffect">
+                                  <p:stCondLst>
+                                    <p:cond delay="0"/>
+                                  </p:stCondLst>
+                                  <p:childTnLst>
+                                    <p:set>
+                                      <p:cBhvr>
+                                        <p:cTn id="6" dur="1" fill="hold">
+                                          <p:stCondLst>
+                                            <p:cond delay="0"/>
+                                          </p:stCondLst>
+                                        </p:cTn>
+                                        <p:tgtEl>
+                                          <p:spTgt spid="3">
+                                            <p:txEl>
+                                              <p:pRg st="0" end="0"/>
+                                            </p:txEl>
+                                          </p:spTgt>
+                                        </p:tgtEl>
+                                        <p:attrNameLst>
+                                          <p:attrName>style.visibility</p:attrName>
+                                        </p:attrNameLst>
+                                      </p:cBhvr>
+                                      <p:to>
+                                        <p:strVal val="visible"/>
+                                      </p:to>
+                                    </p:set>
+                                    <p:animEffect transition="in" filter="fade">
+                                      <p:cBhvr>
+                                        <p:cTn id="7" dur="1000"/>
+                                        <p:tgtEl>
+                                          <p:spTgt spid="3">
+                                            <p:txEl>
+                                              <p:pRg st="0" end="0"/>
+                                            </p:txEl>
+                                          </p:spTgt>
+                                        </p:tgtEl>
+                                      </p:cBhvr>
+                                    </p:animEffect>
+                                    <p:anim calcmode="lin" valueType="num">
+                                      <p:cBhvr>
+                                        <p:cTn id="8" dur="1000" fill="hold"/>
+                                        <p:tgtEl>
+                                          <p:spTgt spid="3">
+                                            <p:txEl>
+                                              <p:pRg st="0" end="0"/>
+                                            </p:txEl>
+                                          </p:spTgt>
+                                        </p:tgtEl>
+                                        <p:attrNameLst>
+                                          <p:attrName>ppt_x</p:attrName>
+                                        </p:attrNameLst>
+                                      </p:cBhvr>
+                                      <p:tavLst>
+                                        <p:tav tm="0">
+                                          <p:val>
+                                            <p:strVal val="#ppt_x"/>
+                                          </p:val>
+                                        </p:tav>
+                                        <p:tav tm="100000">
+                                          <p:val>
+                                            <p:strVal val="#ppt_x"/>
+                                          </p:val>
+                                        </p:tav>
+                                      </p:tavLst>
+                                    </p:anim>
+                                    <p:anim calcmode="lin" valueType="num">
+                                      <p:cBhvr>
+                                        <p:cTn id="9" dur="1000" fill="hold"/>
+                                        <p:tgtEl>
+                                          <p:spTgt spid="3">
+                                            <p:txEl>
+                                              <p:pRg st="0" end="0"/>
+                                            </p:txEl>
+                                          </p:spTgt>
+                                        </p:tgtEl>
+                                        <p:attrNameLst>
+                                          <p:attrName>ppt_y</p:attrName>
+                                        </p:attrNameLst>
+                                      </p:cBhvr>
+                                      <p:tavLst>
+                                        <p:tav tm="0">
+                                          <p:val>
+                                            <p:strVal val="#ppt_y+.1"/>
+                                          </p:val>
+                                        </p:tav>
+                                        <p:tav tm="100000">
+                                          <p:val>
+                                            <p:strVal val="#ppt_y"/>
+                                          </p:val>
+                                        </p:tav>
+                                      </p:tavLst>
+                                    </p:anim>
+                                  </p:childTnLst>
+                                </p:cTn>
+                              </p:par>
+                            </p:childTnLst>
+                          </p:cTn>
+                        </p:par>
+                      </p:childTnLst>
+                    </p:cTn>
+                  </p:par>
+                  <p:par>
+                    <p:cTn id="10" fill="hold">
+                      <p:stCondLst>
+                        <p:cond delay="indefinite"/>
+                      </p:stCondLst>
+                      <p:childTnLst>
+                        <p:par>
+                          <p:cTn id="11" fill="hold">
+                            <p:stCondLst>
+                              <p:cond delay="0"/>
+                            </p:stCondLst>
+                            <p:childTnLst>
+                              <p:par>
+                                <p:cTn id="12" presetID="42" presetClass="entr" presetSubtype="0" fill="hold" nodeType="clickEffect">
+                                  <p:stCondLst>
+                                    <p:cond delay="0"/>
+                                  </p:stCondLst>
+                                  <p:childTnLst>
+                                    <p:set>
+                                      <p:cBhvr>
+                                        <p:cTn id="13" dur="1" fill="hold">
+                                          <p:stCondLst>
+                                            <p:cond delay="0"/>
+                                          </p:stCondLst>
+                                        </p:cTn>
+                                        <p:tgtEl>
+                                          <p:spTgt spid="3">
+                                            <p:txEl>
+                                              <p:pRg st="1" end="1"/>
+                                            </p:txEl>
+                                          </p:spTgt>
+                                        </p:tgtEl>
+                                        <p:attrNameLst>
+                                          <p:attrName>style.visibility</p:attrName>
+                                        </p:attrNameLst>
+                                      </p:cBhvr>
+                                      <p:to>
+                                        <p:strVal val="visible"/>
+                                      </p:to>
+                                    </p:set>
+                                    <p:animEffect transition="in" filter="fade">
+                                      <p:cBhvr>
+                                        <p:cTn id="14" dur="1000"/>
+                                        <p:tgtEl>
+                                          <p:spTgt spid="3">
+                                            <p:txEl>
+                                              <p:pRg st="1" end="1"/>
+                                            </p:txEl>
+                                          </p:spTgt>
+                                        </p:tgtEl>
+                                      </p:cBhvr>
+                                    </p:animEffect>
+                                    <p:anim calcmode="lin" valueType="num">
+                                      <p:cBhvr>
+                                        <p:cTn id="15" dur="1000" fill="hold"/>
+                                        <p:tgtEl>
+                                          <p:spTgt spid="3">
+                                            <p:txEl>
+                                              <p:pRg st="1" end="1"/>
+                                            </p:txEl>
+                                          </p:spTgt>
+                                        </p:tgtEl>
+                                        <p:attrNameLst>
+                                          <p:attrName>ppt_x</p:attrName>
+                                        </p:attrNameLst>
+                                      </p:cBhvr>
+                                      <p:tavLst>
+                                        <p:tav tm="0">
+                                          <p:val>
+                                            <p:strVal val="#ppt_x"/>
+                                          </p:val>
+                                        </p:tav>
+                                        <p:tav tm="100000">
+                                          <p:val>
+                                            <p:strVal val="#ppt_x"/>
+                                          </p:val>
+                                        </p:tav>
+                                      </p:tavLst>
+                                    </p:anim>
+                                    <p:anim calcmode="lin" valueType="num">
+                                      <p:cBhvr>
+                                        <p:cTn id="16" dur="1000" fill="hold"/>
+                                        <p:tgtEl>
+                                          <p:spTgt spid="3">
+                                            <p:txEl>
+                                              <p:pRg st="1" end="1"/>
+                                            </p:txEl>
+                                          </p:spTgt>
+                                        </p:tgtEl>
+                                        <p:attrNameLst>
+                                          <p:attrName>ppt_y</p:attrName>
+                                        </p:attrNameLst>
+                                      </p:cBhvr>
+                                      <p:tavLst>
+                                        <p:tav tm="0">
+                                          <p:val>
+                                            <p:strVal val="#ppt_y+.1"/>
+                                          </p:val>
+                                        </p:tav>
+                                        <p:tav tm="100000">
+                                          <p:val>
+                                            <p:strVal val="#ppt_y"/>
+                                          </p:val>
+                                        </p:tav>
+                                      </p:tavLst>
+                                    </p:anim>
+                                  </p:childTnLst>
+                                </p:cTn>
+                              </p:par>
+                            </p:childTnLst>
+                          </p:cTn>
+                        </p:par>
+                      </p:childTnLst>
+                    </p:cTn>
+                  </p:par>
+                  <p:par>
+                    <p:cTn id="17" fill="hold">
+                      <p:stCondLst>
+                        <p:cond delay="indefinite"/>
+                      </p:stCondLst>
+                      <p:childTnLst>
+                        <p:par>
+                          <p:cTn id="18" fill="hold">
+                            <p:stCondLst>
+                              <p:cond delay="0"/>
+                            </p:stCondLst>
+                            <p:childTnLst>
+                              <p:par>
+                                <p:cTn id="19" presetID="42" presetClass="entr" presetSubtype="0" fill="hold" nodeType="clickEffect">
+                                  <p:stCondLst>
+                                    <p:cond delay="0"/>
+                                  </p:stCondLst>
+                                  <p:childTnLst>
+                                    <p:set>
+                                      <p:cBhvr>
+                                        <p:cTn id="20" dur="1" fill="hold">
+                                          <p:stCondLst>
+                                            <p:cond delay="0"/>
+                                          </p:stCondLst>
+                                        </p:cTn>
+                                        <p:tgtEl>
+                                          <p:spTgt spid="3">
+                                            <p:txEl>
+                                              <p:pRg st="2" end="2"/>
+                                            </p:txEl>
+                                          </p:spTgt>
+                                        </p:tgtEl>
+                                        <p:attrNameLst>
+                                          <p:attrName>style.visibility</p:attrName>
+                                        </p:attrNameLst>
+                                      </p:cBhvr>
+                                      <p:to>
+                                        <p:strVal val="visible"/>
+                                      </p:to>
+                                    </p:set>
+                                    <p:animEffect transition="in" filter="fade">
+                                      <p:cBhvr>
+                                        <p:cTn id="21" dur="1000"/>
+                                        <p:tgtEl>
+                                          <p:spTgt spid="3">
+                                            <p:txEl>
+                                              <p:pRg st="2" end="2"/>
+                                            </p:txEl>
+                                          </p:spTgt>
+                                        </p:tgtEl>
+                                      </p:cBhvr>
+                                    </p:animEffect>
+                                    <p:anim calcmode="lin" valueType="num">
+                                      <p:cBhvr>
+                                        <p:cTn id="22" dur="1000" fill="hold"/>
+                                        <p:tgtEl>
+                                          <p:spTgt spid="3">
+                                            <p:txEl>
+                                              <p:pRg st="2" end="2"/>
+                                            </p:txEl>
+                                          </p:spTgt>
+                                        </p:tgtEl>
+                                        <p:attrNameLst>
+                                          <p:attrName>ppt_x</p:attrName>
+                                        </p:attrNameLst>
+                                      </p:cBhvr>
+                                      <p:tavLst>
+                                        <p:tav tm="0">
+                                          <p:val>
+                                            <p:strVal val="#ppt_x"/>
+                                          </p:val>
+                                        </p:tav>
+                                        <p:tav tm="100000">
+                                          <p:val>
+                                            <p:strVal val="#ppt_x"/>
+                                          </p:val>
+                                        </p:tav>
+                                      </p:tavLst>
+                                    </p:anim>
+                                    <p:anim calcmode="lin" valueType="num">
+                                      <p:cBhvr>
+                                        <p:cTn id="23" dur="1000" fill="hold"/>
+                                        <p:tgtEl>
+                                          <p:spTgt spid="3">
+                                            <p:txEl>
+                                              <p:pRg st="2" end="2"/>
+                                            </p:txEl>
+                                          </p:spTgt>
+                                        </p:tgtEl>
+                                        <p:attrNameLst>
+                                          <p:attrName>ppt_y</p:attrName>
+                                        </p:attrNameLst>
+                                      </p:cBhvr>
+                                      <p:tavLst>
+                                        <p:tav tm="0">
+                                          <p:val>
+                                            <p:strVal val="#ppt_y+.1"/>
+                                          </p:val>
+                                        </p:tav>
+                                        <p:tav tm="100000">
+                                          <p:val>
+                                            <p:strVal val="#ppt_y"/>
+                                          </p:val>
+                                        </p:tav>
+                                      </p:tavLst>
+                                    </p:anim>
+                                  </p:childTnLst>
+                                </p:cTn>
+                              </p:par>
+                            </p:childTnLst>
+                          </p:cTn>
+                        </p:par>
+                      </p:childTnLst>
+                    </p:cTn>
+                  </p:par>
+                  <p:par>
+                    <p:cTn id="24" fill="hold">
+                      <p:stCondLst>
+                        <p:cond delay="indefinite"/>
+                      </p:stCondLst>
+                      <p:childTnLst>
+                        <p:par>
+                          <p:cTn id="25" fill="hold">
+                            <p:stCondLst>
+                              <p:cond delay="0"/>
+                            </p:stCondLst>
+                            <p:childTnLst>
+                              <p:par>
+                                <p:cTn id="26" presetID="42" presetClass="entr" presetSubtype="0" fill="hold" nodeType="clickEffect">
+                                  <p:stCondLst>
+                                    <p:cond delay="0"/>
+                                  </p:stCondLst>
+                                  <p:childTnLst>
+                                    <p:set>
+                                      <p:cBhvr>
+                                        <p:cTn id="27" dur="1" fill="hold">
+                                          <p:stCondLst>
+                                            <p:cond delay="0"/>
+                                          </p:stCondLst>
+                                        </p:cTn>
+                                        <p:tgtEl>
+                                          <p:spTgt spid="3">
+                                            <p:txEl>
+                                              <p:pRg st="3" end="3"/>
+                                            </p:txEl>
+                                          </p:spTgt>
+                                        </p:tgtEl>
+                                        <p:attrNameLst>
+                                          <p:attrName>style.visibility</p:attrName>
+                                        </p:attrNameLst>
+                                      </p:cBhvr>
+                                      <p:to>
+                                        <p:strVal val="visible"/>
+                                      </p:to>
+                                    </p:set>
+                                    <p:animEffect transition="in" filter="fade">
+                                      <p:cBhvr>
+                                        <p:cTn id="28" dur="1000"/>
+                                        <p:tgtEl>
+                                          <p:spTgt spid="3">
+                                            <p:txEl>
+                                              <p:pRg st="3" end="3"/>
+                                            </p:txEl>
+                                          </p:spTgt>
+                                        </p:tgtEl>
+                                      </p:cBhvr>
+                                    </p:animEffect>
+                                    <p:anim calcmode="lin" valueType="num">
+                                      <p:cBhvr>
+                                        <p:cTn id="29" dur="1000" fill="hold"/>
+                                        <p:tgtEl>
+                                          <p:spTgt spid="3">
+                                            <p:txEl>
+                                              <p:pRg st="3" end="3"/>
+                                            </p:txEl>
+                                          </p:spTgt>
+                                        </p:tgtEl>
+                                        <p:attrNameLst>
+                                          <p:attrName>ppt_x</p:attrName>
+                                        </p:attrNameLst>
+                                      </p:cBhvr>
+                                      <p:tavLst>
+                                        <p:tav tm="0">
+                                          <p:val>
+                                            <p:strVal val="#ppt_x"/>
+                                          </p:val>
+                                        </p:tav>
+                                        <p:tav tm="100000">
+                                          <p:val>
+                                            <p:strVal val="#ppt_x"/>
+                                          </p:val>
+                                        </p:tav>
+                                      </p:tavLst>
+                                    </p:anim>
+                                    <p:anim calcmode="lin" valueType="num">
+                                      <p:cBhvr>
+                                        <p:cTn id="30" dur="1000" fill="hold"/>
+                                        <p:tgtEl>
+                                          <p:spTgt spid="3">
+                                            <p:txEl>
+                                              <p:pRg st="3" end="3"/>
+                                            </p:txEl>
+                                          </p:spTgt>
+                                        </p:tgtEl>
+                                        <p:attrNameLst>
+                                          <p:attrName>ppt_y</p:attrName>
+                                        </p:attrNameLst>
+                                      </p:cBhvr>
+                                      <p:tavLst>
+                                        <p:tav tm="0">
+                                          <p:val>
+                                            <p:strVal val="#ppt_y+.1"/>
+                                          </p:val>
+                                        </p:tav>
+                                        <p:tav tm="100000">
+                                          <p:val>
+                                            <p:strVal val="#ppt_y"/>
+                                          </p:val>
+                                        </p:tav>
+                                      </p:tavLst>
+                                    </p:anim>
+                                  </p:childTnLst>
+                                </p:cTn>
+                              </p:par>
+                            </p:childTnLst>
+                          </p:cTn>
+                        </p:par>
+                      </p:childTnLst>
+                    </p:cTn>
+                  </p:par>
+                </p:childTnLst>
+              </p:cTn>
+              <p:prevCondLst>
+                <p:cond evt="onPrev" delay="0">
+                  <p:tgtEl>
+                    <p:sldTgt/>
+                  </p:tgtEl>
+                </p:cond>
+              </p:prevCondLst>
+              <p:nextCondLst>
+                <p:cond evt="onNext" delay="0">
+                  <p:tgtEl>
+                    <p:sldTgt/>
+                  </p:tgtEl>
+                </p:cond>
+              </p:nextCondLst>
+            </p:seq>
+          </p:childTnLst>
+        </p:cTn>
+      </p:par>
+    </p:tnLst>
+  </p:timing>
+</p:sld>
+</file>
+
+<file path=ppt/slides/slide9.xml><?xml version="1.0" encoding="utf-8"?>
+<p:sld xmlns:a="http://schemas.openxmlformats.org/drawingml/2006/main" xmlns:r="http://schemas.openxmlformats.org/officeDocument/2006/relationships" xmlns:p="http://schemas.openxmlformats.org/presentationml/2006/main">
+  <p:cSld>
+    <p:bg>
+      <p:bgPr>
+        <a:solidFill>
+          <a:schemeClr val="bg1"/>
+        </a:solidFill>
+        <a:effectLst/>
+      </p:bgPr>
+    </p:bg>
+    <p:spTree>
+      <p:nvGrpSpPr>
+        <p:cNvPr id="1" name=""/>
+        <p:cNvGrpSpPr/>
+        <p:nvPr/>
+      </p:nvGrpSpPr>
+      <p:grpSpPr>
+        <a:xfrm>
+          <a:off x="0" y="0"/>
+          <a:ext cx="0" cy="0"/>
+          <a:chOff x="0" y="0"/>
+          <a:chExt cx="0" cy="0"/>
+        </a:xfrm>
+      </p:grpSpPr>
+      <p:sp>
+        <p:nvSpPr>
+          <p:cNvPr id="9" name="Rectangle 8">
+            <a:extLst>
+              <a:ext uri="{FF2B5EF4-FFF2-40B4-BE49-F238E27FC236}">
+                <a16:creationId xmlns:a16="http://schemas.microsoft.com/office/drawing/2014/main" id="{9228552E-C8B1-4A80-8448-0787CE0FC704}"/>
+              </a:ext>
+              <a:ext uri="{C183D7F6-B498-43B3-948B-1728B52AA6E4}">
+                <adec:decorative xmlns:adec="http://schemas.microsoft.com/office/drawing/2017/decorative" val="1"/>
+              </a:ext>
+            </a:extLst>
+          </p:cNvPr>
+          <p:cNvSpPr>
+            <a:spLocks noGrp="1" noRot="1" noChangeAspect="1" noMove="1" noResize="1" noEditPoints="1" noAdjustHandles="1" noChangeArrowheads="1" noChangeShapeType="1" noTextEdit="1"/>
+          </p:cNvSpPr>
+          <p:nvPr>
+            <p:extLst>
+              <p:ext uri="{386F3935-93C4-4BCD-93E2-E3B085C9AB24}">
+                <p16:designElem xmlns:p16="http://schemas.microsoft.com/office/powerpoint/2015/main" val="1"/>
+              </p:ext>
+            </p:extLst>
+          </p:nvPr>
+        </p:nvSpPr>
+        <p:spPr>
+          <a:xfrm>
+            <a:off x="0" y="0"/>
+            <a:ext cx="12192000" cy="6858000"/>
+          </a:xfrm>
+          <a:prstGeom prst="rect">
+            <a:avLst/>
+          </a:prstGeom>
+          <a:solidFill>
+            <a:srgbClr val="000000"/>
+          </a:solidFill>
+          <a:ln>
+            <a:noFill/>
+          </a:ln>
+        </p:spPr>
+        <p:style>
+          <a:lnRef idx="2">
+            <a:schemeClr val="accent1">
+              <a:shade val="50000"/>
+            </a:schemeClr>
+          </a:lnRef>
+          <a:fillRef idx="1">
+            <a:schemeClr val="accent1"/>
+          </a:fillRef>
+          <a:effectRef idx="0">
+            <a:schemeClr val="accent1"/>
+          </a:effectRef>
+          <a:fontRef idx="minor">
+            <a:schemeClr val="lt1"/>
+          </a:fontRef>
+        </p:style>
+        <p:txBody>
+          <a:bodyPr rtlCol="0" anchor="ctr"/>
+          <a:lstStyle/>
+          <a:p>
+            <a:pPr algn="ctr"/>
+            <a:endParaRPr lang="en-US"/>
+          </a:p>
+        </p:txBody>
+      </p:sp>
+      <p:pic>
+        <p:nvPicPr>
+          <p:cNvPr id="4" name="Picture 3">
+            <a:extLst>
+              <a:ext uri="{FF2B5EF4-FFF2-40B4-BE49-F238E27FC236}">
+                <a16:creationId xmlns:a16="http://schemas.microsoft.com/office/drawing/2014/main" id="{7DF58695-A159-45DB-B837-3C5032930BBE}"/>
+              </a:ext>
+            </a:extLst>
+          </p:cNvPr>
+          <p:cNvPicPr>
+            <a:picLocks noChangeAspect="1"/>
+          </p:cNvPicPr>
+          <p:nvPr/>
+        </p:nvPicPr>
+        <p:blipFill rotWithShape="1">
+          <a:blip r:embed="rId2">
+            <a:alphaModFix amt="35000"/>
+            <a:extLst>
+              <a:ext uri="{28A0092B-C50C-407E-A947-70E740481C1C}">
+                <a14:useLocalDpi xmlns:a14="http://schemas.microsoft.com/office/drawing/2010/main" val="0"/>
+              </a:ext>
+            </a:extLst>
+          </a:blip>
+          <a:srcRect t="12993" b="12994"/>
+          <a:stretch/>
+        </p:blipFill>
+        <p:spPr>
+          <a:xfrm>
+            <a:off x="20" y="10"/>
+            <a:ext cx="12191980" cy="6857990"/>
+          </a:xfrm>
+          <a:prstGeom prst="rect">
+            <a:avLst/>
+          </a:prstGeom>
+        </p:spPr>
+      </p:pic>
+      <p:sp>
+        <p:nvSpPr>
+          <p:cNvPr id="2" name="Title 1">
+            <a:extLst>
+              <a:ext uri="{FF2B5EF4-FFF2-40B4-BE49-F238E27FC236}">
+                <a16:creationId xmlns:a16="http://schemas.microsoft.com/office/drawing/2014/main" id="{0F7CD080-8835-4584-93D2-027D87576ECC}"/>
+              </a:ext>
+            </a:extLst>
+          </p:cNvPr>
+          <p:cNvSpPr>
+            <a:spLocks noGrp="1"/>
+          </p:cNvSpPr>
+          <p:nvPr>
+            <p:ph type="title"/>
+          </p:nvPr>
+        </p:nvSpPr>
+        <p:spPr>
+          <a:xfrm>
+            <a:off x="838200" y="365125"/>
+            <a:ext cx="10515600" cy="1325563"/>
+          </a:xfrm>
+        </p:spPr>
+        <p:txBody>
+          <a:bodyPr>
+            <a:normAutofit/>
+          </a:bodyPr>
+          <a:lstStyle/>
+          <a:p>
+            <a:r>
+              <a:rPr lang="en-US" dirty="0">
+                <a:solidFill>
+                  <a:srgbClr val="FFFFFF"/>
+                </a:solidFill>
+                <a:latin typeface="Segoe UI Light" panose="020B0502040204020203" pitchFamily="34" charset="0"/>
+                <a:cs typeface="Segoe UI Light" panose="020B0502040204020203" pitchFamily="34" charset="0"/>
+              </a:rPr>
+              <a:t>Interviews</a:t>
+            </a:r>
+          </a:p>
+        </p:txBody>
+      </p:sp>
+      <p:sp>
+        <p:nvSpPr>
+          <p:cNvPr id="3" name="Content Placeholder 2">
+            <a:extLst>
+              <a:ext uri="{FF2B5EF4-FFF2-40B4-BE49-F238E27FC236}">
+                <a16:creationId xmlns:a16="http://schemas.microsoft.com/office/drawing/2014/main" id="{5740C6C8-54CC-4C70-86C7-F8D87A6678B1}"/>
+              </a:ext>
+            </a:extLst>
+          </p:cNvPr>
+          <p:cNvSpPr>
+            <a:spLocks noGrp="1"/>
+          </p:cNvSpPr>
+          <p:nvPr>
+            <p:ph idx="1"/>
+          </p:nvPr>
+        </p:nvSpPr>
+        <p:spPr>
+          <a:xfrm>
+            <a:off x="838200" y="1825625"/>
+            <a:ext cx="10515600" cy="4351338"/>
+          </a:xfrm>
+        </p:spPr>
+        <p:txBody>
+          <a:bodyPr>
+            <a:normAutofit/>
+          </a:bodyPr>
+          <a:lstStyle/>
+          <a:p>
+            <a:pPr marL="0" indent="0">
+              <a:buNone/>
+            </a:pPr>
+            <a:r>
+              <a:rPr lang="en-US" b="1" dirty="0">
+                <a:solidFill>
+                  <a:srgbClr val="92D050"/>
+                </a:solidFill>
+              </a:rPr>
+              <a:t>What are your struggles, hardships, or problems regarding room reservation in Asia Pacific College? </a:t>
+            </a:r>
+            <a:endParaRPr lang="en-PH" dirty="0">
+              <a:solidFill>
+                <a:srgbClr val="92D050"/>
+              </a:solidFill>
+            </a:endParaRPr>
+          </a:p>
+          <a:p>
+            <a:pPr marL="0" indent="0">
+              <a:buNone/>
+            </a:pPr>
+            <a:r>
+              <a:rPr lang="en-US" b="1" dirty="0"/>
+              <a:t>Interviewee # 2</a:t>
+            </a:r>
+            <a:endParaRPr lang="en-PH" dirty="0"/>
+          </a:p>
+          <a:p>
+            <a:pPr marL="0" lvl="0" indent="0">
+              <a:buNone/>
+            </a:pPr>
+            <a:r>
+              <a:rPr lang="en-US" dirty="0"/>
+              <a:t>The adviser already signed the reservation form and I just found out that the room is not already available.</a:t>
+            </a:r>
+            <a:endParaRPr lang="en-PH" dirty="0"/>
+          </a:p>
+          <a:p>
+            <a:pPr marL="0" lvl="0" indent="0">
+              <a:buNone/>
+            </a:pPr>
+            <a:r>
+              <a:rPr lang="en-US" dirty="0"/>
+              <a:t>There are conflicts regarding the reservations, I already reserved for a room but there is a class that time.</a:t>
+            </a:r>
+            <a:endParaRPr lang="en-PH" dirty="0"/>
+          </a:p>
+          <a:p>
+            <a:pPr marL="0" lvl="0" indent="0">
+              <a:buNone/>
+            </a:pPr>
+            <a:endParaRPr lang="en-PH" dirty="0">
+              <a:solidFill>
+                <a:srgbClr val="E1A01D"/>
+              </a:solidFill>
+            </a:endParaRPr>
+          </a:p>
+        </p:txBody>
+      </p:sp>
+      <p:pic>
+        <p:nvPicPr>
+          <p:cNvPr id="6" name="Picture 5">
+            <a:extLst>
+              <a:ext uri="{FF2B5EF4-FFF2-40B4-BE49-F238E27FC236}">
+                <a16:creationId xmlns:a16="http://schemas.microsoft.com/office/drawing/2014/main" id="{D7E769D1-06FB-480C-99B7-2339091A0398}"/>
+              </a:ext>
+            </a:extLst>
+          </p:cNvPr>
+          <p:cNvPicPr>
+            <a:picLocks noChangeAspect="1"/>
+          </p:cNvPicPr>
+          <p:nvPr/>
+        </p:nvPicPr>
+        <p:blipFill rotWithShape="1">
+          <a:blip r:embed="rId2">
+            <a:alphaModFix amt="35000"/>
+            <a:extLst>
+              <a:ext uri="{28A0092B-C50C-407E-A947-70E740481C1C}">
+                <a14:useLocalDpi xmlns:a14="http://schemas.microsoft.com/office/drawing/2010/main" val="0"/>
+              </a:ext>
+            </a:extLst>
+          </a:blip>
+          <a:srcRect t="12993" b="12994"/>
+          <a:stretch/>
+        </p:blipFill>
+        <p:spPr>
+          <a:xfrm>
+            <a:off x="-12191980" y="0"/>
+            <a:ext cx="12191980" cy="6857990"/>
+          </a:xfrm>
+          <a:prstGeom prst="rect">
+            <a:avLst/>
+          </a:prstGeom>
+        </p:spPr>
+      </p:pic>
+    </p:spTree>
+    <p:extLst>
+      <p:ext uri="{BB962C8B-B14F-4D97-AF65-F5344CB8AC3E}">
+        <p14:creationId xmlns:p14="http://schemas.microsoft.com/office/powerpoint/2010/main" val="1345059587"/>
+      </p:ext>
+    </p:extLst>
+  </p:cSld>
+  <p:clrMapOvr>
+    <a:overrideClrMapping bg1="dk1" tx1="lt1" bg2="dk2" tx2="lt2" accent1="accent1" accent2="accent2" accent3="accent3" accent4="accent4" accent5="accent5" accent6="accent6" hlink="hlink" folHlink="folHlink"/>
+  </p:clrMapOvr>
+  <mc:AlternateContent xmlns:mc="http://schemas.openxmlformats.org/markup-compatibility/2006" xmlns:p159="http://schemas.microsoft.com/office/powerpoint/2015/09/main">
+    <mc:Choice Requires="p159">
+      <p:transition xmlns:p14="http://schemas.microsoft.com/office/powerpoint/2010/main" spd="slow" p14:dur="2000">
+        <p159:morph option="byObject"/>
+      </p:transition>
+    </mc:Choice>
+    <mc:Fallback xmlns="">
+      <p:transition spd="slow">
+        <p:fade/>
+      </p:transition>
+    </mc:Fallback>
+  </mc:AlternateContent>
+  <p:timing>
+    <p:tnLst>
+      <p:par>
+        <p:cTn id="1" dur="indefinite" restart="never" nodeType="tmRoot">
+          <p:childTnLst>
+            <p:seq concurrent="1" nextAc="seek">
+              <p:cTn id="2" dur="indefinite" nodeType="mainSeq">
+                <p:childTnLst>
+                  <p:par>
+                    <p:cTn id="3" fill="hold">
+                      <p:stCondLst>
+                        <p:cond delay="indefinite"/>
+                      </p:stCondLst>
+                      <p:childTnLst>
+                        <p:par>
+                          <p:cTn id="4" fill="hold">
+                            <p:stCondLst>
+                              <p:cond delay="0"/>
+                            </p:stCondLst>
+                            <p:childTnLst>
+                              <p:par>
+                                <p:cTn id="5" presetID="42" presetClass="entr" presetSubtype="0" fill="hold" nodeType="clickEffect">
+                                  <p:stCondLst>
+                                    <p:cond delay="0"/>
+                                  </p:stCondLst>
+                                  <p:childTnLst>
+                                    <p:set>
+                                      <p:cBhvr>
+                                        <p:cTn id="6" dur="1" fill="hold">
+                                          <p:stCondLst>
+                                            <p:cond delay="0"/>
+                                          </p:stCondLst>
+                                        </p:cTn>
+                                        <p:tgtEl>
+                                          <p:spTgt spid="3">
+                                            <p:txEl>
+                                              <p:pRg st="0" end="0"/>
+                                            </p:txEl>
+                                          </p:spTgt>
+                                        </p:tgtEl>
+                                        <p:attrNameLst>
+                                          <p:attrName>style.visibility</p:attrName>
+                                        </p:attrNameLst>
+                                      </p:cBhvr>
+                                      <p:to>
+                                        <p:strVal val="visible"/>
+                                      </p:to>
+                                    </p:set>
+                                    <p:animEffect transition="in" filter="fade">
+                                      <p:cBhvr>
+                                        <p:cTn id="7" dur="1000"/>
+                                        <p:tgtEl>
+                                          <p:spTgt spid="3">
+                                            <p:txEl>
+                                              <p:pRg st="0" end="0"/>
+                                            </p:txEl>
+                                          </p:spTgt>
+                                        </p:tgtEl>
+                                      </p:cBhvr>
+                                    </p:animEffect>
+                                    <p:anim calcmode="lin" valueType="num">
+                                      <p:cBhvr>
+                                        <p:cTn id="8" dur="1000" fill="hold"/>
+                                        <p:tgtEl>
+                                          <p:spTgt spid="3">
+                                            <p:txEl>
+                                              <p:pRg st="0" end="0"/>
+                                            </p:txEl>
+                                          </p:spTgt>
+                                        </p:tgtEl>
+                                        <p:attrNameLst>
+                                          <p:attrName>ppt_x</p:attrName>
+                                        </p:attrNameLst>
+                                      </p:cBhvr>
+                                      <p:tavLst>
+                                        <p:tav tm="0">
+                                          <p:val>
+                                            <p:strVal val="#ppt_x"/>
+                                          </p:val>
+                                        </p:tav>
+                                        <p:tav tm="100000">
+                                          <p:val>
+                                            <p:strVal val="#ppt_x"/>
+                                          </p:val>
+                                        </p:tav>
+                                      </p:tavLst>
+                                    </p:anim>
+                                    <p:anim calcmode="lin" valueType="num">
+                                      <p:cBhvr>
+                                        <p:cTn id="9" dur="1000" fill="hold"/>
+                                        <p:tgtEl>
+                                          <p:spTgt spid="3">
+                                            <p:txEl>
+                                              <p:pRg st="0" end="0"/>
+                                            </p:txEl>
+                                          </p:spTgt>
+                                        </p:tgtEl>
+                                        <p:attrNameLst>
+                                          <p:attrName>ppt_y</p:attrName>
+                                        </p:attrNameLst>
+                                      </p:cBhvr>
+                                      <p:tavLst>
+                                        <p:tav tm="0">
+                                          <p:val>
+                                            <p:strVal val="#ppt_y+.1"/>
+                                          </p:val>
+                                        </p:tav>
+                                        <p:tav tm="100000">
+                                          <p:val>
+                                            <p:strVal val="#ppt_y"/>
+                                          </p:val>
+                                        </p:tav>
+                                      </p:tavLst>
+                                    </p:anim>
                                   </p:childTnLst>
                                 </p:cTn>
                               </p:par>
